--- a/midterm.pptx
+++ b/midterm.pptx
@@ -1,20 +1,20 @@
 
 <file path=ppt/presentation.xml><?xml version="1.0" encoding="utf-8"?>
-<p:presentation xmlns:a="http://schemas.openxmlformats.org/drawingml/2006/main" xmlns:r="http://schemas.openxmlformats.org/officeDocument/2006/relationships" xmlns:p="http://schemas.openxmlformats.org/presentationml/2006/main" saveSubsetFonts="1">
+<p:presentation xmlns:a="http://schemas.openxmlformats.org/drawingml/2006/main" xmlns:r="http://schemas.openxmlformats.org/officeDocument/2006/relationships" xmlns:p="http://schemas.openxmlformats.org/presentationml/2006/main">
   <p:sldMasterIdLst>
-    <p:sldMasterId id="2147483660" r:id="rId1"/>
+    <p:sldMasterId id="2147483648" r:id="rId1"/>
   </p:sldMasterIdLst>
   <p:sldIdLst>
-    <p:sldId id="256" r:id="rId2"/>
-    <p:sldId id="257" r:id="rId3"/>
-    <p:sldId id="265" r:id="rId4"/>
-    <p:sldId id="258" r:id="rId5"/>
-    <p:sldId id="261" r:id="rId6"/>
-    <p:sldId id="264" r:id="rId7"/>
-    <p:sldId id="259" r:id="rId8"/>
-    <p:sldId id="262" r:id="rId9"/>
-    <p:sldId id="263" r:id="rId10"/>
-    <p:sldId id="260" r:id="rId11"/>
+    <p:sldId id="256" r:id="rId3"/>
+    <p:sldId id="257" r:id="rId4"/>
+    <p:sldId id="265" r:id="rId5"/>
+    <p:sldId id="258" r:id="rId6"/>
+    <p:sldId id="261" r:id="rId7"/>
+    <p:sldId id="264" r:id="rId8"/>
+    <p:sldId id="259" r:id="rId9"/>
+    <p:sldId id="262" r:id="rId10"/>
+    <p:sldId id="263" r:id="rId11"/>
+    <p:sldId id="260" r:id="rId12"/>
   </p:sldIdLst>
   <p:sldSz cx="12192000" cy="6858000"/>
   <p:notesSz cx="6858000" cy="9144000"/>
@@ -113,845 +113,7 @@
       </a:defRPr>
     </a:lvl9pPr>
   </p:defaultTextStyle>
-  <p:extLst>
-    <p:ext uri="{EFAFB233-063F-42B5-8137-9DF3F51BA10A}">
-      <p15:sldGuideLst xmlns:p15="http://schemas.microsoft.com/office/powerpoint/2012/main"/>
-    </p:ext>
-  </p:extLst>
 </p:presentation>
-</file>
-
-<file path=ppt/revisionInfo.xml><?xml version="1.0" encoding="utf-8"?>
-<p1510:revInfo xmlns:a="http://schemas.openxmlformats.org/drawingml/2006/main" xmlns:r="http://schemas.openxmlformats.org/officeDocument/2006/relationships" xmlns:p1510="http://schemas.microsoft.com/office/powerpoint/2015/10/main">
-  <p1510:revLst>
-    <p1510:client id="{B4ECA8CE-800F-2DD3-558A-327BED378E7E}" v="177" dt="2025-04-10T12:50:47.832"/>
-    <p1510:client id="{F30F1FDB-808E-EC5C-B7AD-CC96018385A6}" v="54" dt="2025-04-10T13:19:44.013"/>
-    <p1510:client id="{FAE7D014-90AD-E2FF-20FA-6ADC8EBD635B}" v="389" dt="2025-04-10T13:31:24.202"/>
-    <p1510:client id="{FE0CBA0F-468A-5BCD-3B3E-07334D49AAA7}" v="562" dt="2025-04-10T12:59:34.313"/>
-  </p1510:revLst>
-</p1510:revInfo>
-</file>
-
-<file path=ppt/changesInfos/changesInfo1.xml><?xml version="1.0" encoding="utf-8"?>
-<pc:chgInfo xmlns:a="http://schemas.openxmlformats.org/drawingml/2006/main" xmlns:r="http://schemas.openxmlformats.org/officeDocument/2006/relationships" xmlns:ac="http://schemas.microsoft.com/office/drawing/2013/main/command" xmlns:pc="http://schemas.microsoft.com/office/powerpoint/2013/main/command">
-  <pc:docChgLst>
-    <pc:chgData name="Mivik Q" userId="aff39ce5e26365c5" providerId="Windows Live" clId="Web-{FE0CBA0F-468A-5BCD-3B3E-07334D49AAA7}"/>
-    <pc:docChg chg="addSld modSld">
-      <pc:chgData name="Mivik Q" userId="aff39ce5e26365c5" providerId="Windows Live" clId="Web-{FE0CBA0F-468A-5BCD-3B3E-07334D49AAA7}" dt="2025-04-10T12:59:34.313" v="569" actId="20577"/>
-      <pc:docMkLst>
-        <pc:docMk/>
-      </pc:docMkLst>
-      <pc:sldChg chg="modSp">
-        <pc:chgData name="Mivik Q" userId="aff39ce5e26365c5" providerId="Windows Live" clId="Web-{FE0CBA0F-468A-5BCD-3B3E-07334D49AAA7}" dt="2025-04-10T12:22:46.019" v="99" actId="20577"/>
-        <pc:sldMkLst>
-          <pc:docMk/>
-          <pc:sldMk cId="703088496" sldId="256"/>
-        </pc:sldMkLst>
-        <pc:spChg chg="mod">
-          <ac:chgData name="Mivik Q" userId="aff39ce5e26365c5" providerId="Windows Live" clId="Web-{FE0CBA0F-468A-5BCD-3B3E-07334D49AAA7}" dt="2025-04-10T12:22:46.019" v="99" actId="20577"/>
-          <ac:spMkLst>
-            <pc:docMk/>
-            <pc:sldMk cId="703088496" sldId="256"/>
-            <ac:spMk id="3" creationId="{00000000-0000-0000-0000-000000000000}"/>
-          </ac:spMkLst>
-        </pc:spChg>
-      </pc:sldChg>
-      <pc:sldChg chg="modSp new">
-        <pc:chgData name="Mivik Q" userId="aff39ce5e26365c5" providerId="Windows Live" clId="Web-{FE0CBA0F-468A-5BCD-3B3E-07334D49AAA7}" dt="2025-04-10T12:55:19.374" v="523" actId="20577"/>
-        <pc:sldMkLst>
-          <pc:docMk/>
-          <pc:sldMk cId="4101369604" sldId="257"/>
-        </pc:sldMkLst>
-        <pc:spChg chg="mod">
-          <ac:chgData name="Mivik Q" userId="aff39ce5e26365c5" providerId="Windows Live" clId="Web-{FE0CBA0F-468A-5BCD-3B3E-07334D49AAA7}" dt="2025-04-10T12:20:47.909" v="3" actId="20577"/>
-          <ac:spMkLst>
-            <pc:docMk/>
-            <pc:sldMk cId="4101369604" sldId="257"/>
-            <ac:spMk id="2" creationId="{AE081A8D-0936-DECA-0EAF-38EC8DAF52A4}"/>
-          </ac:spMkLst>
-        </pc:spChg>
-        <pc:spChg chg="mod">
-          <ac:chgData name="Mivik Q" userId="aff39ce5e26365c5" providerId="Windows Live" clId="Web-{FE0CBA0F-468A-5BCD-3B3E-07334D49AAA7}" dt="2025-04-10T12:55:19.374" v="523" actId="20577"/>
-          <ac:spMkLst>
-            <pc:docMk/>
-            <pc:sldMk cId="4101369604" sldId="257"/>
-            <ac:spMk id="3" creationId="{043AEBFE-D80D-7908-4CA2-EB00D836D7F0}"/>
-          </ac:spMkLst>
-        </pc:spChg>
-      </pc:sldChg>
-      <pc:sldChg chg="addSp delSp modSp mod setBg">
-        <pc:chgData name="Mivik Q" userId="aff39ce5e26365c5" providerId="Windows Live" clId="Web-{FE0CBA0F-468A-5BCD-3B3E-07334D49AAA7}" dt="2025-04-10T12:54:46.546" v="501"/>
-        <pc:sldMkLst>
-          <pc:docMk/>
-          <pc:sldMk cId="4023240152" sldId="258"/>
-        </pc:sldMkLst>
-        <pc:spChg chg="mod">
-          <ac:chgData name="Mivik Q" userId="aff39ce5e26365c5" providerId="Windows Live" clId="Web-{FE0CBA0F-468A-5BCD-3B3E-07334D49AAA7}" dt="2025-04-10T12:37:14.290" v="361" actId="20577"/>
-          <ac:spMkLst>
-            <pc:docMk/>
-            <pc:sldMk cId="4023240152" sldId="258"/>
-            <ac:spMk id="2" creationId="{9D82ABAB-8109-55EC-A5D2-7F39A281CD78}"/>
-          </ac:spMkLst>
-        </pc:spChg>
-        <pc:spChg chg="mod">
-          <ac:chgData name="Mivik Q" userId="aff39ce5e26365c5" providerId="Windows Live" clId="Web-{FE0CBA0F-468A-5BCD-3B3E-07334D49AAA7}" dt="2025-04-10T12:54:46.546" v="501"/>
-          <ac:spMkLst>
-            <pc:docMk/>
-            <pc:sldMk cId="4023240152" sldId="258"/>
-            <ac:spMk id="3" creationId="{EF1C04F9-39D0-3119-766F-B563BBA5641B}"/>
-          </ac:spMkLst>
-        </pc:spChg>
-        <pc:spChg chg="add del">
-          <ac:chgData name="Mivik Q" userId="aff39ce5e26365c5" providerId="Windows Live" clId="Web-{FE0CBA0F-468A-5BCD-3B3E-07334D49AAA7}" dt="2025-04-10T12:26:48.646" v="247"/>
-          <ac:spMkLst>
-            <pc:docMk/>
-            <pc:sldMk cId="4023240152" sldId="258"/>
-            <ac:spMk id="9" creationId="{058A14AF-9FB5-4CC7-BA35-E8E85D3EDF0E}"/>
-          </ac:spMkLst>
-        </pc:spChg>
-        <pc:spChg chg="add del">
-          <ac:chgData name="Mivik Q" userId="aff39ce5e26365c5" providerId="Windows Live" clId="Web-{FE0CBA0F-468A-5BCD-3B3E-07334D49AAA7}" dt="2025-04-10T12:26:48.646" v="247"/>
-          <ac:spMkLst>
-            <pc:docMk/>
-            <pc:sldMk cId="4023240152" sldId="258"/>
-            <ac:spMk id="11" creationId="{3A9A4357-BD1D-4622-A4FE-766E6AB8DE84}"/>
-          </ac:spMkLst>
-        </pc:spChg>
-        <pc:spChg chg="add del">
-          <ac:chgData name="Mivik Q" userId="aff39ce5e26365c5" providerId="Windows Live" clId="Web-{FE0CBA0F-468A-5BCD-3B3E-07334D49AAA7}" dt="2025-04-10T12:26:48.646" v="247"/>
-          <ac:spMkLst>
-            <pc:docMk/>
-            <pc:sldMk cId="4023240152" sldId="258"/>
-            <ac:spMk id="13" creationId="{E659831F-0D9A-4C63-9EBB-8435B85A440F}"/>
-          </ac:spMkLst>
-        </pc:spChg>
-        <pc:spChg chg="add del">
-          <ac:chgData name="Mivik Q" userId="aff39ce5e26365c5" providerId="Windows Live" clId="Web-{FE0CBA0F-468A-5BCD-3B3E-07334D49AAA7}" dt="2025-04-10T12:26:48.646" v="247"/>
-          <ac:spMkLst>
-            <pc:docMk/>
-            <pc:sldMk cId="4023240152" sldId="258"/>
-            <ac:spMk id="15" creationId="{E6995CE5-F890-4ABA-82A2-26507CE8D2A3}"/>
-          </ac:spMkLst>
-        </pc:spChg>
-        <pc:picChg chg="add del mod">
-          <ac:chgData name="Mivik Q" userId="aff39ce5e26365c5" providerId="Windows Live" clId="Web-{FE0CBA0F-468A-5BCD-3B3E-07334D49AAA7}" dt="2025-04-10T12:37:03.790" v="355"/>
-          <ac:picMkLst>
-            <pc:docMk/>
-            <pc:sldMk cId="4023240152" sldId="258"/>
-            <ac:picMk id="4" creationId="{E9C389CF-109D-0FBF-4A0D-A7CB14F50DE6}"/>
-          </ac:picMkLst>
-        </pc:picChg>
-      </pc:sldChg>
-      <pc:sldChg chg="modSp">
-        <pc:chgData name="Mivik Q" userId="aff39ce5e26365c5" providerId="Windows Live" clId="Web-{FE0CBA0F-468A-5BCD-3B3E-07334D49AAA7}" dt="2025-04-10T12:46:41.355" v="425" actId="20577"/>
-        <pc:sldMkLst>
-          <pc:docMk/>
-          <pc:sldMk cId="4117542211" sldId="259"/>
-        </pc:sldMkLst>
-        <pc:spChg chg="mod">
-          <ac:chgData name="Mivik Q" userId="aff39ce5e26365c5" providerId="Windows Live" clId="Web-{FE0CBA0F-468A-5BCD-3B3E-07334D49AAA7}" dt="2025-04-10T12:34:32.976" v="278" actId="20577"/>
-          <ac:spMkLst>
-            <pc:docMk/>
-            <pc:sldMk cId="4117542211" sldId="259"/>
-            <ac:spMk id="2" creationId="{EC21741F-4BEC-30EC-198D-DCF222E6574E}"/>
-          </ac:spMkLst>
-        </pc:spChg>
-        <pc:spChg chg="mod">
-          <ac:chgData name="Mivik Q" userId="aff39ce5e26365c5" providerId="Windows Live" clId="Web-{FE0CBA0F-468A-5BCD-3B3E-07334D49AAA7}" dt="2025-04-10T12:46:41.355" v="425" actId="20577"/>
-          <ac:spMkLst>
-            <pc:docMk/>
-            <pc:sldMk cId="4117542211" sldId="259"/>
-            <ac:spMk id="3" creationId="{7B18D6A0-1668-6383-049F-25683377D5DA}"/>
-          </ac:spMkLst>
-        </pc:spChg>
-      </pc:sldChg>
-      <pc:sldChg chg="modSp">
-        <pc:chgData name="Mivik Q" userId="aff39ce5e26365c5" providerId="Windows Live" clId="Web-{FE0CBA0F-468A-5BCD-3B3E-07334D49AAA7}" dt="2025-04-10T12:58:03.281" v="547" actId="20577"/>
-        <pc:sldMkLst>
-          <pc:docMk/>
-          <pc:sldMk cId="1395821387" sldId="260"/>
-        </pc:sldMkLst>
-        <pc:spChg chg="mod">
-          <ac:chgData name="Mivik Q" userId="aff39ce5e26365c5" providerId="Windows Live" clId="Web-{FE0CBA0F-468A-5BCD-3B3E-07334D49AAA7}" dt="2025-04-10T12:58:03.281" v="547" actId="20577"/>
-          <ac:spMkLst>
-            <pc:docMk/>
-            <pc:sldMk cId="1395821387" sldId="260"/>
-            <ac:spMk id="3" creationId="{71CED2F7-BF7D-8390-FB27-3B61D9571364}"/>
-          </ac:spMkLst>
-        </pc:spChg>
-      </pc:sldChg>
-      <pc:sldChg chg="add replId">
-        <pc:chgData name="Mivik Q" userId="aff39ce5e26365c5" providerId="Windows Live" clId="Web-{FE0CBA0F-468A-5BCD-3B3E-07334D49AAA7}" dt="2025-04-10T12:36:54.883" v="354"/>
-        <pc:sldMkLst>
-          <pc:docMk/>
-          <pc:sldMk cId="3473617007" sldId="261"/>
-        </pc:sldMkLst>
-      </pc:sldChg>
-      <pc:sldChg chg="modSp add replId">
-        <pc:chgData name="Mivik Q" userId="aff39ce5e26365c5" providerId="Windows Live" clId="Web-{FE0CBA0F-468A-5BCD-3B3E-07334D49AAA7}" dt="2025-04-10T12:59:34.313" v="569" actId="20577"/>
-        <pc:sldMkLst>
-          <pc:docMk/>
-          <pc:sldMk cId="3182449072" sldId="263"/>
-        </pc:sldMkLst>
-        <pc:spChg chg="mod">
-          <ac:chgData name="Mivik Q" userId="aff39ce5e26365c5" providerId="Windows Live" clId="Web-{FE0CBA0F-468A-5BCD-3B3E-07334D49AAA7}" dt="2025-04-10T12:58:29.484" v="550" actId="20577"/>
-          <ac:spMkLst>
-            <pc:docMk/>
-            <pc:sldMk cId="3182449072" sldId="263"/>
-            <ac:spMk id="2" creationId="{91A5645B-81F4-3D19-FE19-DE580D3ED347}"/>
-          </ac:spMkLst>
-        </pc:spChg>
-        <pc:spChg chg="mod">
-          <ac:chgData name="Mivik Q" userId="aff39ce5e26365c5" providerId="Windows Live" clId="Web-{FE0CBA0F-468A-5BCD-3B3E-07334D49AAA7}" dt="2025-04-10T12:59:34.313" v="569" actId="20577"/>
-          <ac:spMkLst>
-            <pc:docMk/>
-            <pc:sldMk cId="3182449072" sldId="263"/>
-            <ac:spMk id="3" creationId="{72C085EC-6A8F-8DC0-D50F-73612025418A}"/>
-          </ac:spMkLst>
-        </pc:spChg>
-      </pc:sldChg>
-    </pc:docChg>
-  </pc:docChgLst>
-  <pc:docChgLst>
-    <pc:chgData name="Mivik Q" userId="aff39ce5e26365c5" providerId="Windows Live" clId="Web-{FAE7D014-90AD-E2FF-20FA-6ADC8EBD635B}"/>
-    <pc:docChg chg="addSld delSld modSld addMainMaster delMainMaster">
-      <pc:chgData name="Mivik Q" userId="aff39ce5e26365c5" providerId="Windows Live" clId="Web-{FAE7D014-90AD-E2FF-20FA-6ADC8EBD635B}" dt="2025-04-10T13:31:18.749" v="390" actId="20577"/>
-      <pc:docMkLst>
-        <pc:docMk/>
-      </pc:docMkLst>
-      <pc:sldChg chg="modSp mod modClrScheme chgLayout">
-        <pc:chgData name="Mivik Q" userId="aff39ce5e26365c5" providerId="Windows Live" clId="Web-{FAE7D014-90AD-E2FF-20FA-6ADC8EBD635B}" dt="2025-04-10T13:23:08.181" v="327"/>
-        <pc:sldMkLst>
-          <pc:docMk/>
-          <pc:sldMk cId="703088496" sldId="256"/>
-        </pc:sldMkLst>
-        <pc:spChg chg="mod ord">
-          <ac:chgData name="Mivik Q" userId="aff39ce5e26365c5" providerId="Windows Live" clId="Web-{FAE7D014-90AD-E2FF-20FA-6ADC8EBD635B}" dt="2025-04-10T13:23:08.181" v="327"/>
-          <ac:spMkLst>
-            <pc:docMk/>
-            <pc:sldMk cId="703088496" sldId="256"/>
-            <ac:spMk id="2" creationId="{00000000-0000-0000-0000-000000000000}"/>
-          </ac:spMkLst>
-        </pc:spChg>
-        <pc:spChg chg="mod ord">
-          <ac:chgData name="Mivik Q" userId="aff39ce5e26365c5" providerId="Windows Live" clId="Web-{FAE7D014-90AD-E2FF-20FA-6ADC8EBD635B}" dt="2025-04-10T13:23:08.181" v="327"/>
-          <ac:spMkLst>
-            <pc:docMk/>
-            <pc:sldMk cId="703088496" sldId="256"/>
-            <ac:spMk id="3" creationId="{00000000-0000-0000-0000-000000000000}"/>
-          </ac:spMkLst>
-        </pc:spChg>
-      </pc:sldChg>
-      <pc:sldChg chg="modSp mod modClrScheme chgLayout">
-        <pc:chgData name="Mivik Q" userId="aff39ce5e26365c5" providerId="Windows Live" clId="Web-{FAE7D014-90AD-E2FF-20FA-6ADC8EBD635B}" dt="2025-04-10T13:23:08.181" v="327"/>
-        <pc:sldMkLst>
-          <pc:docMk/>
-          <pc:sldMk cId="4101369604" sldId="257"/>
-        </pc:sldMkLst>
-        <pc:spChg chg="mod ord">
-          <ac:chgData name="Mivik Q" userId="aff39ce5e26365c5" providerId="Windows Live" clId="Web-{FAE7D014-90AD-E2FF-20FA-6ADC8EBD635B}" dt="2025-04-10T13:23:08.181" v="327"/>
-          <ac:spMkLst>
-            <pc:docMk/>
-            <pc:sldMk cId="4101369604" sldId="257"/>
-            <ac:spMk id="2" creationId="{AE081A8D-0936-DECA-0EAF-38EC8DAF52A4}"/>
-          </ac:spMkLst>
-        </pc:spChg>
-        <pc:spChg chg="mod ord">
-          <ac:chgData name="Mivik Q" userId="aff39ce5e26365c5" providerId="Windows Live" clId="Web-{FAE7D014-90AD-E2FF-20FA-6ADC8EBD635B}" dt="2025-04-10T13:23:08.181" v="327"/>
-          <ac:spMkLst>
-            <pc:docMk/>
-            <pc:sldMk cId="4101369604" sldId="257"/>
-            <ac:spMk id="3" creationId="{043AEBFE-D80D-7908-4CA2-EB00D836D7F0}"/>
-          </ac:spMkLst>
-        </pc:spChg>
-      </pc:sldChg>
-      <pc:sldChg chg="modSp mod modClrScheme chgLayout">
-        <pc:chgData name="Mivik Q" userId="aff39ce5e26365c5" providerId="Windows Live" clId="Web-{FAE7D014-90AD-E2FF-20FA-6ADC8EBD635B}" dt="2025-04-10T13:23:23.572" v="329" actId="1076"/>
-        <pc:sldMkLst>
-          <pc:docMk/>
-          <pc:sldMk cId="4023240152" sldId="258"/>
-        </pc:sldMkLst>
-        <pc:spChg chg="mod ord">
-          <ac:chgData name="Mivik Q" userId="aff39ce5e26365c5" providerId="Windows Live" clId="Web-{FAE7D014-90AD-E2FF-20FA-6ADC8EBD635B}" dt="2025-04-10T13:23:08.181" v="327"/>
-          <ac:spMkLst>
-            <pc:docMk/>
-            <pc:sldMk cId="4023240152" sldId="258"/>
-            <ac:spMk id="2" creationId="{9D82ABAB-8109-55EC-A5D2-7F39A281CD78}"/>
-          </ac:spMkLst>
-        </pc:spChg>
-        <pc:spChg chg="mod ord">
-          <ac:chgData name="Mivik Q" userId="aff39ce5e26365c5" providerId="Windows Live" clId="Web-{FAE7D014-90AD-E2FF-20FA-6ADC8EBD635B}" dt="2025-04-10T13:23:23.572" v="329" actId="1076"/>
-          <ac:spMkLst>
-            <pc:docMk/>
-            <pc:sldMk cId="4023240152" sldId="258"/>
-            <ac:spMk id="3" creationId="{EF1C04F9-39D0-3119-766F-B563BBA5641B}"/>
-          </ac:spMkLst>
-        </pc:spChg>
-      </pc:sldChg>
-      <pc:sldChg chg="modSp mod modClrScheme chgLayout">
-        <pc:chgData name="Mivik Q" userId="aff39ce5e26365c5" providerId="Windows Live" clId="Web-{FAE7D014-90AD-E2FF-20FA-6ADC8EBD635B}" dt="2025-04-10T13:23:08.181" v="327"/>
-        <pc:sldMkLst>
-          <pc:docMk/>
-          <pc:sldMk cId="4117542211" sldId="259"/>
-        </pc:sldMkLst>
-        <pc:spChg chg="mod ord">
-          <ac:chgData name="Mivik Q" userId="aff39ce5e26365c5" providerId="Windows Live" clId="Web-{FAE7D014-90AD-E2FF-20FA-6ADC8EBD635B}" dt="2025-04-10T13:23:08.181" v="327"/>
-          <ac:spMkLst>
-            <pc:docMk/>
-            <pc:sldMk cId="4117542211" sldId="259"/>
-            <ac:spMk id="2" creationId="{EC21741F-4BEC-30EC-198D-DCF222E6574E}"/>
-          </ac:spMkLst>
-        </pc:spChg>
-        <pc:spChg chg="mod ord">
-          <ac:chgData name="Mivik Q" userId="aff39ce5e26365c5" providerId="Windows Live" clId="Web-{FAE7D014-90AD-E2FF-20FA-6ADC8EBD635B}" dt="2025-04-10T13:23:08.181" v="327"/>
-          <ac:spMkLst>
-            <pc:docMk/>
-            <pc:sldMk cId="4117542211" sldId="259"/>
-            <ac:spMk id="3" creationId="{7B18D6A0-1668-6383-049F-25683377D5DA}"/>
-          </ac:spMkLst>
-        </pc:spChg>
-      </pc:sldChg>
-      <pc:sldChg chg="modSp mod modClrScheme chgLayout">
-        <pc:chgData name="Mivik Q" userId="aff39ce5e26365c5" providerId="Windows Live" clId="Web-{FAE7D014-90AD-E2FF-20FA-6ADC8EBD635B}" dt="2025-04-10T13:31:18.749" v="390" actId="20577"/>
-        <pc:sldMkLst>
-          <pc:docMk/>
-          <pc:sldMk cId="1395821387" sldId="260"/>
-        </pc:sldMkLst>
-        <pc:spChg chg="mod ord">
-          <ac:chgData name="Mivik Q" userId="aff39ce5e26365c5" providerId="Windows Live" clId="Web-{FAE7D014-90AD-E2FF-20FA-6ADC8EBD635B}" dt="2025-04-10T13:23:08.181" v="327"/>
-          <ac:spMkLst>
-            <pc:docMk/>
-            <pc:sldMk cId="1395821387" sldId="260"/>
-            <ac:spMk id="2" creationId="{0AF6AD4C-C54B-FD21-4F80-5B47D0D52CD5}"/>
-          </ac:spMkLst>
-        </pc:spChg>
-        <pc:spChg chg="mod ord">
-          <ac:chgData name="Mivik Q" userId="aff39ce5e26365c5" providerId="Windows Live" clId="Web-{FAE7D014-90AD-E2FF-20FA-6ADC8EBD635B}" dt="2025-04-10T13:31:18.749" v="390" actId="20577"/>
-          <ac:spMkLst>
-            <pc:docMk/>
-            <pc:sldMk cId="1395821387" sldId="260"/>
-            <ac:spMk id="3" creationId="{71CED2F7-BF7D-8390-FB27-3B61D9571364}"/>
-          </ac:spMkLst>
-        </pc:spChg>
-      </pc:sldChg>
-      <pc:sldChg chg="modSp mod modClrScheme chgLayout">
-        <pc:chgData name="Mivik Q" userId="aff39ce5e26365c5" providerId="Windows Live" clId="Web-{FAE7D014-90AD-E2FF-20FA-6ADC8EBD635B}" dt="2025-04-10T13:23:31.384" v="331" actId="1076"/>
-        <pc:sldMkLst>
-          <pc:docMk/>
-          <pc:sldMk cId="3473617007" sldId="261"/>
-        </pc:sldMkLst>
-        <pc:spChg chg="mod ord">
-          <ac:chgData name="Mivik Q" userId="aff39ce5e26365c5" providerId="Windows Live" clId="Web-{FAE7D014-90AD-E2FF-20FA-6ADC8EBD635B}" dt="2025-04-10T13:23:08.181" v="327"/>
-          <ac:spMkLst>
-            <pc:docMk/>
-            <pc:sldMk cId="3473617007" sldId="261"/>
-            <ac:spMk id="2" creationId="{306A0D46-E84E-94E0-C7AD-E252A4508743}"/>
-          </ac:spMkLst>
-        </pc:spChg>
-        <pc:spChg chg="mod ord">
-          <ac:chgData name="Mivik Q" userId="aff39ce5e26365c5" providerId="Windows Live" clId="Web-{FAE7D014-90AD-E2FF-20FA-6ADC8EBD635B}" dt="2025-04-10T13:23:29.853" v="330" actId="1076"/>
-          <ac:spMkLst>
-            <pc:docMk/>
-            <pc:sldMk cId="3473617007" sldId="261"/>
-            <ac:spMk id="3" creationId="{83CF06E8-4D8F-3074-EFF9-31519D70911E}"/>
-          </ac:spMkLst>
-        </pc:spChg>
-        <pc:picChg chg="mod">
-          <ac:chgData name="Mivik Q" userId="aff39ce5e26365c5" providerId="Windows Live" clId="Web-{FAE7D014-90AD-E2FF-20FA-6ADC8EBD635B}" dt="2025-04-10T13:23:31.384" v="331" actId="1076"/>
-          <ac:picMkLst>
-            <pc:docMk/>
-            <pc:sldMk cId="3473617007" sldId="261"/>
-            <ac:picMk id="4" creationId="{5C20E3C3-EC23-D9CD-0E52-04B544000659}"/>
-          </ac:picMkLst>
-        </pc:picChg>
-      </pc:sldChg>
-      <pc:sldChg chg="modSp mod modClrScheme chgLayout">
-        <pc:chgData name="Mivik Q" userId="aff39ce5e26365c5" providerId="Windows Live" clId="Web-{FAE7D014-90AD-E2FF-20FA-6ADC8EBD635B}" dt="2025-04-10T13:23:08.181" v="327"/>
-        <pc:sldMkLst>
-          <pc:docMk/>
-          <pc:sldMk cId="1322360691" sldId="262"/>
-        </pc:sldMkLst>
-        <pc:spChg chg="mod ord">
-          <ac:chgData name="Mivik Q" userId="aff39ce5e26365c5" providerId="Windows Live" clId="Web-{FAE7D014-90AD-E2FF-20FA-6ADC8EBD635B}" dt="2025-04-10T13:23:08.181" v="327"/>
-          <ac:spMkLst>
-            <pc:docMk/>
-            <pc:sldMk cId="1322360691" sldId="262"/>
-            <ac:spMk id="2" creationId="{374E9A59-9CC1-4173-C5A8-3FE721DB9D68}"/>
-          </ac:spMkLst>
-        </pc:spChg>
-        <pc:spChg chg="mod ord">
-          <ac:chgData name="Mivik Q" userId="aff39ce5e26365c5" providerId="Windows Live" clId="Web-{FAE7D014-90AD-E2FF-20FA-6ADC8EBD635B}" dt="2025-04-10T13:23:08.181" v="327"/>
-          <ac:spMkLst>
-            <pc:docMk/>
-            <pc:sldMk cId="1322360691" sldId="262"/>
-            <ac:spMk id="3" creationId="{B1CC2126-451B-7CA7-8CFB-1581DDF7E466}"/>
-          </ac:spMkLst>
-        </pc:spChg>
-      </pc:sldChg>
-      <pc:sldChg chg="modSp mod modClrScheme chgLayout">
-        <pc:chgData name="Mivik Q" userId="aff39ce5e26365c5" providerId="Windows Live" clId="Web-{FAE7D014-90AD-E2FF-20FA-6ADC8EBD635B}" dt="2025-04-10T13:23:08.181" v="327"/>
-        <pc:sldMkLst>
-          <pc:docMk/>
-          <pc:sldMk cId="3182449072" sldId="263"/>
-        </pc:sldMkLst>
-        <pc:spChg chg="mod ord">
-          <ac:chgData name="Mivik Q" userId="aff39ce5e26365c5" providerId="Windows Live" clId="Web-{FAE7D014-90AD-E2FF-20FA-6ADC8EBD635B}" dt="2025-04-10T13:23:08.181" v="327"/>
-          <ac:spMkLst>
-            <pc:docMk/>
-            <pc:sldMk cId="3182449072" sldId="263"/>
-            <ac:spMk id="2" creationId="{91A5645B-81F4-3D19-FE19-DE580D3ED347}"/>
-          </ac:spMkLst>
-        </pc:spChg>
-        <pc:spChg chg="mod ord">
-          <ac:chgData name="Mivik Q" userId="aff39ce5e26365c5" providerId="Windows Live" clId="Web-{FAE7D014-90AD-E2FF-20FA-6ADC8EBD635B}" dt="2025-04-10T13:23:08.181" v="327"/>
-          <ac:spMkLst>
-            <pc:docMk/>
-            <pc:sldMk cId="3182449072" sldId="263"/>
-            <ac:spMk id="3" creationId="{72C085EC-6A8F-8DC0-D50F-73612025418A}"/>
-          </ac:spMkLst>
-        </pc:spChg>
-      </pc:sldChg>
-      <pc:sldChg chg="delSp modSp add mod replId modClrScheme chgLayout">
-        <pc:chgData name="Mivik Q" userId="aff39ce5e26365c5" providerId="Windows Live" clId="Web-{FAE7D014-90AD-E2FF-20FA-6ADC8EBD635B}" dt="2025-04-10T13:23:38.166" v="332" actId="1076"/>
-        <pc:sldMkLst>
-          <pc:docMk/>
-          <pc:sldMk cId="2739761689" sldId="264"/>
-        </pc:sldMkLst>
-        <pc:spChg chg="mod ord">
-          <ac:chgData name="Mivik Q" userId="aff39ce5e26365c5" providerId="Windows Live" clId="Web-{FAE7D014-90AD-E2FF-20FA-6ADC8EBD635B}" dt="2025-04-10T13:23:08.181" v="327"/>
-          <ac:spMkLst>
-            <pc:docMk/>
-            <pc:sldMk cId="2739761689" sldId="264"/>
-            <ac:spMk id="2" creationId="{F2D4CED5-41C4-F751-74D0-F1FD9D63A319}"/>
-          </ac:spMkLst>
-        </pc:spChg>
-        <pc:spChg chg="mod ord">
-          <ac:chgData name="Mivik Q" userId="aff39ce5e26365c5" providerId="Windows Live" clId="Web-{FAE7D014-90AD-E2FF-20FA-6ADC8EBD635B}" dt="2025-04-10T13:23:38.166" v="332" actId="1076"/>
-          <ac:spMkLst>
-            <pc:docMk/>
-            <pc:sldMk cId="2739761689" sldId="264"/>
-            <ac:spMk id="3" creationId="{0F8D9BA0-1901-34B7-DA3C-13C9AC37E3BB}"/>
-          </ac:spMkLst>
-        </pc:spChg>
-        <pc:picChg chg="del">
-          <ac:chgData name="Mivik Q" userId="aff39ce5e26365c5" providerId="Windows Live" clId="Web-{FAE7D014-90AD-E2FF-20FA-6ADC8EBD635B}" dt="2025-04-10T13:15:21.785" v="96"/>
-          <ac:picMkLst>
-            <pc:docMk/>
-            <pc:sldMk cId="2739761689" sldId="264"/>
-            <ac:picMk id="4" creationId="{2879BEA1-2582-E304-F451-92AF58DB4B30}"/>
-          </ac:picMkLst>
-        </pc:picChg>
-        <pc:picChg chg="mod">
-          <ac:chgData name="Mivik Q" userId="aff39ce5e26365c5" providerId="Windows Live" clId="Web-{FAE7D014-90AD-E2FF-20FA-6ADC8EBD635B}" dt="2025-04-10T13:23:00.712" v="326" actId="1076"/>
-          <ac:picMkLst>
-            <pc:docMk/>
-            <pc:sldMk cId="2739761689" sldId="264"/>
-            <ac:picMk id="4" creationId="{E7C18B29-9414-CBE7-4DAB-4D66B2FE9699}"/>
-          </ac:picMkLst>
-        </pc:picChg>
-      </pc:sldChg>
-      <pc:sldChg chg="addSp modSp add mod replId modClrScheme chgLayout">
-        <pc:chgData name="Mivik Q" userId="aff39ce5e26365c5" providerId="Windows Live" clId="Web-{FAE7D014-90AD-E2FF-20FA-6ADC8EBD635B}" dt="2025-04-10T13:23:18.791" v="328" actId="1076"/>
-        <pc:sldMkLst>
-          <pc:docMk/>
-          <pc:sldMk cId="2312895447" sldId="265"/>
-        </pc:sldMkLst>
-        <pc:spChg chg="mod ord">
-          <ac:chgData name="Mivik Q" userId="aff39ce5e26365c5" providerId="Windows Live" clId="Web-{FAE7D014-90AD-E2FF-20FA-6ADC8EBD635B}" dt="2025-04-10T13:23:08.181" v="327"/>
-          <ac:spMkLst>
-            <pc:docMk/>
-            <pc:sldMk cId="2312895447" sldId="265"/>
-            <ac:spMk id="2" creationId="{8A07CCD3-4DDA-F06C-49D8-C61CD82391FC}"/>
-          </ac:spMkLst>
-        </pc:spChg>
-        <pc:spChg chg="mod ord">
-          <ac:chgData name="Mivik Q" userId="aff39ce5e26365c5" providerId="Windows Live" clId="Web-{FAE7D014-90AD-E2FF-20FA-6ADC8EBD635B}" dt="2025-04-10T13:23:18.791" v="328" actId="1076"/>
-          <ac:spMkLst>
-            <pc:docMk/>
-            <pc:sldMk cId="2312895447" sldId="265"/>
-            <ac:spMk id="3" creationId="{E1597663-0B22-A01F-8D9A-4C04A63274A0}"/>
-          </ac:spMkLst>
-        </pc:spChg>
-        <pc:picChg chg="add mod">
-          <ac:chgData name="Mivik Q" userId="aff39ce5e26365c5" providerId="Windows Live" clId="Web-{FAE7D014-90AD-E2FF-20FA-6ADC8EBD635B}" dt="2025-04-10T13:21:50.461" v="302" actId="1076"/>
-          <ac:picMkLst>
-            <pc:docMk/>
-            <pc:sldMk cId="2312895447" sldId="265"/>
-            <ac:picMk id="4" creationId="{C9DCD478-7C08-3657-AE78-C4E75D9C5B8F}"/>
-          </ac:picMkLst>
-        </pc:picChg>
-      </pc:sldChg>
-      <pc:sldChg chg="add del replId">
-        <pc:chgData name="Mivik Q" userId="aff39ce5e26365c5" providerId="Windows Live" clId="Web-{FAE7D014-90AD-E2FF-20FA-6ADC8EBD635B}" dt="2025-04-10T13:21:33.742" v="298"/>
-        <pc:sldMkLst>
-          <pc:docMk/>
-          <pc:sldMk cId="2630807035" sldId="266"/>
-        </pc:sldMkLst>
-      </pc:sldChg>
-      <pc:sldMasterChg chg="del delSldLayout">
-        <pc:chgData name="Mivik Q" userId="aff39ce5e26365c5" providerId="Windows Live" clId="Web-{FAE7D014-90AD-E2FF-20FA-6ADC8EBD635B}" dt="2025-04-10T13:23:08.181" v="327"/>
-        <pc:sldMasterMkLst>
-          <pc:docMk/>
-          <pc:sldMasterMk cId="2563146177" sldId="2147483648"/>
-        </pc:sldMasterMkLst>
-        <pc:sldLayoutChg chg="del">
-          <pc:chgData name="Mivik Q" userId="aff39ce5e26365c5" providerId="Windows Live" clId="Web-{FAE7D014-90AD-E2FF-20FA-6ADC8EBD635B}" dt="2025-04-10T13:23:08.181" v="327"/>
-          <pc:sldLayoutMkLst>
-            <pc:docMk/>
-            <pc:sldMasterMk cId="2563146177" sldId="2147483648"/>
-            <pc:sldLayoutMk cId="2805086613" sldId="2147483649"/>
-          </pc:sldLayoutMkLst>
-        </pc:sldLayoutChg>
-        <pc:sldLayoutChg chg="del">
-          <pc:chgData name="Mivik Q" userId="aff39ce5e26365c5" providerId="Windows Live" clId="Web-{FAE7D014-90AD-E2FF-20FA-6ADC8EBD635B}" dt="2025-04-10T13:23:08.181" v="327"/>
-          <pc:sldLayoutMkLst>
-            <pc:docMk/>
-            <pc:sldMasterMk cId="2563146177" sldId="2147483648"/>
-            <pc:sldLayoutMk cId="2074015890" sldId="2147483650"/>
-          </pc:sldLayoutMkLst>
-        </pc:sldLayoutChg>
-        <pc:sldLayoutChg chg="del">
-          <pc:chgData name="Mivik Q" userId="aff39ce5e26365c5" providerId="Windows Live" clId="Web-{FAE7D014-90AD-E2FF-20FA-6ADC8EBD635B}" dt="2025-04-10T13:23:08.181" v="327"/>
-          <pc:sldLayoutMkLst>
-            <pc:docMk/>
-            <pc:sldMasterMk cId="2563146177" sldId="2147483648"/>
-            <pc:sldLayoutMk cId="3407052612" sldId="2147483651"/>
-          </pc:sldLayoutMkLst>
-        </pc:sldLayoutChg>
-        <pc:sldLayoutChg chg="del">
-          <pc:chgData name="Mivik Q" userId="aff39ce5e26365c5" providerId="Windows Live" clId="Web-{FAE7D014-90AD-E2FF-20FA-6ADC8EBD635B}" dt="2025-04-10T13:23:08.181" v="327"/>
-          <pc:sldLayoutMkLst>
-            <pc:docMk/>
-            <pc:sldMasterMk cId="2563146177" sldId="2147483648"/>
-            <pc:sldLayoutMk cId="188702279" sldId="2147483652"/>
-          </pc:sldLayoutMkLst>
-        </pc:sldLayoutChg>
-        <pc:sldLayoutChg chg="del">
-          <pc:chgData name="Mivik Q" userId="aff39ce5e26365c5" providerId="Windows Live" clId="Web-{FAE7D014-90AD-E2FF-20FA-6ADC8EBD635B}" dt="2025-04-10T13:23:08.181" v="327"/>
-          <pc:sldLayoutMkLst>
-            <pc:docMk/>
-            <pc:sldMasterMk cId="2563146177" sldId="2147483648"/>
-            <pc:sldLayoutMk cId="4068082727" sldId="2147483653"/>
-          </pc:sldLayoutMkLst>
-        </pc:sldLayoutChg>
-        <pc:sldLayoutChg chg="del">
-          <pc:chgData name="Mivik Q" userId="aff39ce5e26365c5" providerId="Windows Live" clId="Web-{FAE7D014-90AD-E2FF-20FA-6ADC8EBD635B}" dt="2025-04-10T13:23:08.181" v="327"/>
-          <pc:sldLayoutMkLst>
-            <pc:docMk/>
-            <pc:sldMasterMk cId="2563146177" sldId="2147483648"/>
-            <pc:sldLayoutMk cId="4187196136" sldId="2147483654"/>
-          </pc:sldLayoutMkLst>
-        </pc:sldLayoutChg>
-        <pc:sldLayoutChg chg="del">
-          <pc:chgData name="Mivik Q" userId="aff39ce5e26365c5" providerId="Windows Live" clId="Web-{FAE7D014-90AD-E2FF-20FA-6ADC8EBD635B}" dt="2025-04-10T13:23:08.181" v="327"/>
-          <pc:sldLayoutMkLst>
-            <pc:docMk/>
-            <pc:sldMasterMk cId="2563146177" sldId="2147483648"/>
-            <pc:sldLayoutMk cId="1200569556" sldId="2147483655"/>
-          </pc:sldLayoutMkLst>
-        </pc:sldLayoutChg>
-        <pc:sldLayoutChg chg="del">
-          <pc:chgData name="Mivik Q" userId="aff39ce5e26365c5" providerId="Windows Live" clId="Web-{FAE7D014-90AD-E2FF-20FA-6ADC8EBD635B}" dt="2025-04-10T13:23:08.181" v="327"/>
-          <pc:sldLayoutMkLst>
-            <pc:docMk/>
-            <pc:sldMasterMk cId="2563146177" sldId="2147483648"/>
-            <pc:sldLayoutMk cId="3153261149" sldId="2147483656"/>
-          </pc:sldLayoutMkLst>
-        </pc:sldLayoutChg>
-        <pc:sldLayoutChg chg="del">
-          <pc:chgData name="Mivik Q" userId="aff39ce5e26365c5" providerId="Windows Live" clId="Web-{FAE7D014-90AD-E2FF-20FA-6ADC8EBD635B}" dt="2025-04-10T13:23:08.181" v="327"/>
-          <pc:sldLayoutMkLst>
-            <pc:docMk/>
-            <pc:sldMasterMk cId="2563146177" sldId="2147483648"/>
-            <pc:sldLayoutMk cId="2390041774" sldId="2147483657"/>
-          </pc:sldLayoutMkLst>
-        </pc:sldLayoutChg>
-        <pc:sldLayoutChg chg="del">
-          <pc:chgData name="Mivik Q" userId="aff39ce5e26365c5" providerId="Windows Live" clId="Web-{FAE7D014-90AD-E2FF-20FA-6ADC8EBD635B}" dt="2025-04-10T13:23:08.181" v="327"/>
-          <pc:sldLayoutMkLst>
-            <pc:docMk/>
-            <pc:sldMasterMk cId="2563146177" sldId="2147483648"/>
-            <pc:sldLayoutMk cId="2577302498" sldId="2147483658"/>
-          </pc:sldLayoutMkLst>
-        </pc:sldLayoutChg>
-        <pc:sldLayoutChg chg="del">
-          <pc:chgData name="Mivik Q" userId="aff39ce5e26365c5" providerId="Windows Live" clId="Web-{FAE7D014-90AD-E2FF-20FA-6ADC8EBD635B}" dt="2025-04-10T13:23:08.181" v="327"/>
-          <pc:sldLayoutMkLst>
-            <pc:docMk/>
-            <pc:sldMasterMk cId="2563146177" sldId="2147483648"/>
-            <pc:sldLayoutMk cId="72881644" sldId="2147483659"/>
-          </pc:sldLayoutMkLst>
-        </pc:sldLayoutChg>
-      </pc:sldMasterChg>
-      <pc:sldMasterChg chg="add addSldLayout modSldLayout">
-        <pc:chgData name="Mivik Q" userId="aff39ce5e26365c5" providerId="Windows Live" clId="Web-{FAE7D014-90AD-E2FF-20FA-6ADC8EBD635B}" dt="2025-04-10T13:23:08.181" v="327"/>
-        <pc:sldMasterMkLst>
-          <pc:docMk/>
-          <pc:sldMasterMk cId="4125839493" sldId="2147483660"/>
-        </pc:sldMasterMkLst>
-        <pc:sldLayoutChg chg="add mod replId">
-          <pc:chgData name="Mivik Q" userId="aff39ce5e26365c5" providerId="Windows Live" clId="Web-{FAE7D014-90AD-E2FF-20FA-6ADC8EBD635B}" dt="2025-04-10T13:23:08.181" v="327"/>
-          <pc:sldLayoutMkLst>
-            <pc:docMk/>
-            <pc:sldMasterMk cId="4125839493" sldId="2147483660"/>
-            <pc:sldLayoutMk cId="2417294992" sldId="2147483661"/>
-          </pc:sldLayoutMkLst>
-        </pc:sldLayoutChg>
-        <pc:sldLayoutChg chg="add mod replId">
-          <pc:chgData name="Mivik Q" userId="aff39ce5e26365c5" providerId="Windows Live" clId="Web-{FAE7D014-90AD-E2FF-20FA-6ADC8EBD635B}" dt="2025-04-10T13:23:08.181" v="327"/>
-          <pc:sldLayoutMkLst>
-            <pc:docMk/>
-            <pc:sldMasterMk cId="4125839493" sldId="2147483660"/>
-            <pc:sldLayoutMk cId="3423308111" sldId="2147483662"/>
-          </pc:sldLayoutMkLst>
-        </pc:sldLayoutChg>
-        <pc:sldLayoutChg chg="add mod replId">
-          <pc:chgData name="Mivik Q" userId="aff39ce5e26365c5" providerId="Windows Live" clId="Web-{FAE7D014-90AD-E2FF-20FA-6ADC8EBD635B}" dt="2025-04-10T13:23:08.181" v="327"/>
-          <pc:sldLayoutMkLst>
-            <pc:docMk/>
-            <pc:sldMasterMk cId="4125839493" sldId="2147483660"/>
-            <pc:sldLayoutMk cId="3956098635" sldId="2147483663"/>
-          </pc:sldLayoutMkLst>
-        </pc:sldLayoutChg>
-        <pc:sldLayoutChg chg="add mod replId">
-          <pc:chgData name="Mivik Q" userId="aff39ce5e26365c5" providerId="Windows Live" clId="Web-{FAE7D014-90AD-E2FF-20FA-6ADC8EBD635B}" dt="2025-04-10T13:23:08.181" v="327"/>
-          <pc:sldLayoutMkLst>
-            <pc:docMk/>
-            <pc:sldMasterMk cId="4125839493" sldId="2147483660"/>
-            <pc:sldLayoutMk cId="3251396563" sldId="2147483664"/>
-          </pc:sldLayoutMkLst>
-        </pc:sldLayoutChg>
-        <pc:sldLayoutChg chg="add mod replId">
-          <pc:chgData name="Mivik Q" userId="aff39ce5e26365c5" providerId="Windows Live" clId="Web-{FAE7D014-90AD-E2FF-20FA-6ADC8EBD635B}" dt="2025-04-10T13:23:08.181" v="327"/>
-          <pc:sldLayoutMkLst>
-            <pc:docMk/>
-            <pc:sldMasterMk cId="4125839493" sldId="2147483660"/>
-            <pc:sldLayoutMk cId="3331231863" sldId="2147483665"/>
-          </pc:sldLayoutMkLst>
-        </pc:sldLayoutChg>
-        <pc:sldLayoutChg chg="add mod replId">
-          <pc:chgData name="Mivik Q" userId="aff39ce5e26365c5" providerId="Windows Live" clId="Web-{FAE7D014-90AD-E2FF-20FA-6ADC8EBD635B}" dt="2025-04-10T13:23:08.181" v="327"/>
-          <pc:sldLayoutMkLst>
-            <pc:docMk/>
-            <pc:sldMasterMk cId="4125839493" sldId="2147483660"/>
-            <pc:sldLayoutMk cId="84785523" sldId="2147483666"/>
-          </pc:sldLayoutMkLst>
-        </pc:sldLayoutChg>
-        <pc:sldLayoutChg chg="add mod replId">
-          <pc:chgData name="Mivik Q" userId="aff39ce5e26365c5" providerId="Windows Live" clId="Web-{FAE7D014-90AD-E2FF-20FA-6ADC8EBD635B}" dt="2025-04-10T13:23:08.181" v="327"/>
-          <pc:sldLayoutMkLst>
-            <pc:docMk/>
-            <pc:sldMasterMk cId="4125839493" sldId="2147483660"/>
-            <pc:sldLayoutMk cId="1406399442" sldId="2147483667"/>
-          </pc:sldLayoutMkLst>
-        </pc:sldLayoutChg>
-        <pc:sldLayoutChg chg="add mod replId">
-          <pc:chgData name="Mivik Q" userId="aff39ce5e26365c5" providerId="Windows Live" clId="Web-{FAE7D014-90AD-E2FF-20FA-6ADC8EBD635B}" dt="2025-04-10T13:23:08.181" v="327"/>
-          <pc:sldLayoutMkLst>
-            <pc:docMk/>
-            <pc:sldMasterMk cId="4125839493" sldId="2147483660"/>
-            <pc:sldLayoutMk cId="1176034896" sldId="2147483668"/>
-          </pc:sldLayoutMkLst>
-        </pc:sldLayoutChg>
-        <pc:sldLayoutChg chg="add mod replId">
-          <pc:chgData name="Mivik Q" userId="aff39ce5e26365c5" providerId="Windows Live" clId="Web-{FAE7D014-90AD-E2FF-20FA-6ADC8EBD635B}" dt="2025-04-10T13:23:08.181" v="327"/>
-          <pc:sldLayoutMkLst>
-            <pc:docMk/>
-            <pc:sldMasterMk cId="4125839493" sldId="2147483660"/>
-            <pc:sldLayoutMk cId="3417139920" sldId="2147483669"/>
-          </pc:sldLayoutMkLst>
-        </pc:sldLayoutChg>
-        <pc:sldLayoutChg chg="add mod replId">
-          <pc:chgData name="Mivik Q" userId="aff39ce5e26365c5" providerId="Windows Live" clId="Web-{FAE7D014-90AD-E2FF-20FA-6ADC8EBD635B}" dt="2025-04-10T13:23:08.181" v="327"/>
-          <pc:sldLayoutMkLst>
-            <pc:docMk/>
-            <pc:sldMasterMk cId="4125839493" sldId="2147483660"/>
-            <pc:sldLayoutMk cId="344033585" sldId="2147483670"/>
-          </pc:sldLayoutMkLst>
-        </pc:sldLayoutChg>
-        <pc:sldLayoutChg chg="add mod replId">
-          <pc:chgData name="Mivik Q" userId="aff39ce5e26365c5" providerId="Windows Live" clId="Web-{FAE7D014-90AD-E2FF-20FA-6ADC8EBD635B}" dt="2025-04-10T13:23:08.181" v="327"/>
-          <pc:sldLayoutMkLst>
-            <pc:docMk/>
-            <pc:sldMasterMk cId="4125839493" sldId="2147483660"/>
-            <pc:sldLayoutMk cId="1737508630" sldId="2147483671"/>
-          </pc:sldLayoutMkLst>
-        </pc:sldLayoutChg>
-      </pc:sldMasterChg>
-    </pc:docChg>
-  </pc:docChgLst>
-  <pc:docChgLst>
-    <pc:chgData name="来宾用户" providerId="Windows Live" clId="Web-{F30F1FDB-808E-EC5C-B7AD-CC96018385A6}"/>
-    <pc:docChg chg="modSld">
-      <pc:chgData name="来宾用户" userId="" providerId="Windows Live" clId="Web-{F30F1FDB-808E-EC5C-B7AD-CC96018385A6}" dt="2025-04-10T13:19:44.013" v="51" actId="20577"/>
-      <pc:docMkLst>
-        <pc:docMk/>
-      </pc:docMkLst>
-      <pc:sldChg chg="modSp">
-        <pc:chgData name="来宾用户" userId="" providerId="Windows Live" clId="Web-{F30F1FDB-808E-EC5C-B7AD-CC96018385A6}" dt="2025-04-10T13:19:44.013" v="51" actId="20577"/>
-        <pc:sldMkLst>
-          <pc:docMk/>
-          <pc:sldMk cId="1322360691" sldId="262"/>
-        </pc:sldMkLst>
-        <pc:spChg chg="mod">
-          <ac:chgData name="来宾用户" userId="" providerId="Windows Live" clId="Web-{F30F1FDB-808E-EC5C-B7AD-CC96018385A6}" dt="2025-04-10T13:19:44.013" v="51" actId="20577"/>
-          <ac:spMkLst>
-            <pc:docMk/>
-            <pc:sldMk cId="1322360691" sldId="262"/>
-            <ac:spMk id="3" creationId="{B1CC2126-451B-7CA7-8CFB-1581DDF7E466}"/>
-          </ac:spMkLst>
-        </pc:spChg>
-      </pc:sldChg>
-      <pc:sldChg chg="addSp modSp">
-        <pc:chgData name="来宾用户" userId="" providerId="Windows Live" clId="Web-{F30F1FDB-808E-EC5C-B7AD-CC96018385A6}" dt="2025-04-10T13:19:18.450" v="40" actId="20577"/>
-        <pc:sldMkLst>
-          <pc:docMk/>
-          <pc:sldMk cId="2739761689" sldId="264"/>
-        </pc:sldMkLst>
-        <pc:spChg chg="mod">
-          <ac:chgData name="来宾用户" userId="" providerId="Windows Live" clId="Web-{F30F1FDB-808E-EC5C-B7AD-CC96018385A6}" dt="2025-04-10T13:19:18.450" v="40" actId="20577"/>
-          <ac:spMkLst>
-            <pc:docMk/>
-            <pc:sldMk cId="2739761689" sldId="264"/>
-            <ac:spMk id="3" creationId="{0F8D9BA0-1901-34B7-DA3C-13C9AC37E3BB}"/>
-          </ac:spMkLst>
-        </pc:spChg>
-        <pc:picChg chg="add mod">
-          <ac:chgData name="来宾用户" userId="" providerId="Windows Live" clId="Web-{F30F1FDB-808E-EC5C-B7AD-CC96018385A6}" dt="2025-04-10T13:18:48.121" v="24" actId="1076"/>
-          <ac:picMkLst>
-            <pc:docMk/>
-            <pc:sldMk cId="2739761689" sldId="264"/>
-            <ac:picMk id="4" creationId="{E7C18B29-9414-CBE7-4DAB-4D66B2FE9699}"/>
-          </ac:picMkLst>
-        </pc:picChg>
-      </pc:sldChg>
-    </pc:docChg>
-  </pc:docChgLst>
-  <pc:docChgLst>
-    <pc:chgData name="Mizu Asakura" userId="a3259a6cf1c50659" providerId="Windows Live" clId="Web-{B4ECA8CE-800F-2DD3-558A-327BED378E7E}"/>
-    <pc:docChg chg="addSld modSld">
-      <pc:chgData name="Mizu Asakura" userId="a3259a6cf1c50659" providerId="Windows Live" clId="Web-{B4ECA8CE-800F-2DD3-558A-327BED378E7E}" dt="2025-04-10T12:50:47.832" v="186" actId="20577"/>
-      <pc:docMkLst>
-        <pc:docMk/>
-      </pc:docMkLst>
-      <pc:sldChg chg="addSp delSp modSp">
-        <pc:chgData name="Mizu Asakura" userId="a3259a6cf1c50659" providerId="Windows Live" clId="Web-{B4ECA8CE-800F-2DD3-558A-327BED378E7E}" dt="2025-04-10T12:21:05.149" v="74" actId="20577"/>
-        <pc:sldMkLst>
-          <pc:docMk/>
-          <pc:sldMk cId="703088496" sldId="256"/>
-        </pc:sldMkLst>
-        <pc:spChg chg="add del mod">
-          <ac:chgData name="Mizu Asakura" userId="a3259a6cf1c50659" providerId="Windows Live" clId="Web-{B4ECA8CE-800F-2DD3-558A-327BED378E7E}" dt="2025-04-10T12:20:57.117" v="65" actId="20577"/>
-          <ac:spMkLst>
-            <pc:docMk/>
-            <pc:sldMk cId="703088496" sldId="256"/>
-            <ac:spMk id="2" creationId="{00000000-0000-0000-0000-000000000000}"/>
-          </ac:spMkLst>
-        </pc:spChg>
-        <pc:spChg chg="add del mod">
-          <ac:chgData name="Mizu Asakura" userId="a3259a6cf1c50659" providerId="Windows Live" clId="Web-{B4ECA8CE-800F-2DD3-558A-327BED378E7E}" dt="2025-04-10T12:21:05.149" v="74" actId="20577"/>
-          <ac:spMkLst>
-            <pc:docMk/>
-            <pc:sldMk cId="703088496" sldId="256"/>
-            <ac:spMk id="3" creationId="{00000000-0000-0000-0000-000000000000}"/>
-          </ac:spMkLst>
-        </pc:spChg>
-      </pc:sldChg>
-      <pc:sldChg chg="modSp new">
-        <pc:chgData name="Mizu Asakura" userId="a3259a6cf1c50659" providerId="Windows Live" clId="Web-{B4ECA8CE-800F-2DD3-558A-327BED378E7E}" dt="2025-04-10T12:49:20.379" v="141" actId="20577"/>
-        <pc:sldMkLst>
-          <pc:docMk/>
-          <pc:sldMk cId="4023240152" sldId="258"/>
-        </pc:sldMkLst>
-        <pc:spChg chg="mod">
-          <ac:chgData name="Mizu Asakura" userId="a3259a6cf1c50659" providerId="Windows Live" clId="Web-{B4ECA8CE-800F-2DD3-558A-327BED378E7E}" dt="2025-04-10T12:21:59.415" v="80" actId="20577"/>
-          <ac:spMkLst>
-            <pc:docMk/>
-            <pc:sldMk cId="4023240152" sldId="258"/>
-            <ac:spMk id="2" creationId="{9D82ABAB-8109-55EC-A5D2-7F39A281CD78}"/>
-          </ac:spMkLst>
-        </pc:spChg>
-        <pc:spChg chg="mod">
-          <ac:chgData name="Mizu Asakura" userId="a3259a6cf1c50659" providerId="Windows Live" clId="Web-{B4ECA8CE-800F-2DD3-558A-327BED378E7E}" dt="2025-04-10T12:49:20.379" v="141" actId="20577"/>
-          <ac:spMkLst>
-            <pc:docMk/>
-            <pc:sldMk cId="4023240152" sldId="258"/>
-            <ac:spMk id="3" creationId="{EF1C04F9-39D0-3119-766F-B563BBA5641B}"/>
-          </ac:spMkLst>
-        </pc:spChg>
-      </pc:sldChg>
-      <pc:sldChg chg="modSp new">
-        <pc:chgData name="Mizu Asakura" userId="a3259a6cf1c50659" providerId="Windows Live" clId="Web-{B4ECA8CE-800F-2DD3-558A-327BED378E7E}" dt="2025-04-10T12:43:48.001" v="135"/>
-        <pc:sldMkLst>
-          <pc:docMk/>
-          <pc:sldMk cId="4117542211" sldId="259"/>
-        </pc:sldMkLst>
-        <pc:spChg chg="mod">
-          <ac:chgData name="Mizu Asakura" userId="a3259a6cf1c50659" providerId="Windows Live" clId="Web-{B4ECA8CE-800F-2DD3-558A-327BED378E7E}" dt="2025-04-10T12:24:32.900" v="82" actId="20577"/>
-          <ac:spMkLst>
-            <pc:docMk/>
-            <pc:sldMk cId="4117542211" sldId="259"/>
-            <ac:spMk id="2" creationId="{EC21741F-4BEC-30EC-198D-DCF222E6574E}"/>
-          </ac:spMkLst>
-        </pc:spChg>
-        <pc:spChg chg="mod">
-          <ac:chgData name="Mizu Asakura" userId="a3259a6cf1c50659" providerId="Windows Live" clId="Web-{B4ECA8CE-800F-2DD3-558A-327BED378E7E}" dt="2025-04-10T12:43:48.001" v="135"/>
-          <ac:spMkLst>
-            <pc:docMk/>
-            <pc:sldMk cId="4117542211" sldId="259"/>
-            <ac:spMk id="3" creationId="{7B18D6A0-1668-6383-049F-25683377D5DA}"/>
-          </ac:spMkLst>
-        </pc:spChg>
-      </pc:sldChg>
-      <pc:sldChg chg="modSp new">
-        <pc:chgData name="Mizu Asakura" userId="a3259a6cf1c50659" providerId="Windows Live" clId="Web-{B4ECA8CE-800F-2DD3-558A-327BED378E7E}" dt="2025-04-10T12:49:48.676" v="165" actId="20577"/>
-        <pc:sldMkLst>
-          <pc:docMk/>
-          <pc:sldMk cId="1395821387" sldId="260"/>
-        </pc:sldMkLst>
-        <pc:spChg chg="mod">
-          <ac:chgData name="Mizu Asakura" userId="a3259a6cf1c50659" providerId="Windows Live" clId="Web-{B4ECA8CE-800F-2DD3-558A-327BED378E7E}" dt="2025-04-10T12:25:11.494" v="103" actId="20577"/>
-          <ac:spMkLst>
-            <pc:docMk/>
-            <pc:sldMk cId="1395821387" sldId="260"/>
-            <ac:spMk id="2" creationId="{0AF6AD4C-C54B-FD21-4F80-5B47D0D52CD5}"/>
-          </ac:spMkLst>
-        </pc:spChg>
-        <pc:spChg chg="mod">
-          <ac:chgData name="Mizu Asakura" userId="a3259a6cf1c50659" providerId="Windows Live" clId="Web-{B4ECA8CE-800F-2DD3-558A-327BED378E7E}" dt="2025-04-10T12:49:48.676" v="165" actId="20577"/>
-          <ac:spMkLst>
-            <pc:docMk/>
-            <pc:sldMk cId="1395821387" sldId="260"/>
-            <ac:spMk id="3" creationId="{71CED2F7-BF7D-8390-FB27-3B61D9571364}"/>
-          </ac:spMkLst>
-        </pc:spChg>
-      </pc:sldChg>
-      <pc:sldChg chg="modSp new">
-        <pc:chgData name="Mizu Asakura" userId="a3259a6cf1c50659" providerId="Windows Live" clId="Web-{B4ECA8CE-800F-2DD3-558A-327BED378E7E}" dt="2025-04-10T12:50:47.832" v="186" actId="20577"/>
-        <pc:sldMkLst>
-          <pc:docMk/>
-          <pc:sldMk cId="1322360691" sldId="262"/>
-        </pc:sldMkLst>
-        <pc:spChg chg="mod">
-          <ac:chgData name="Mizu Asakura" userId="a3259a6cf1c50659" providerId="Windows Live" clId="Web-{B4ECA8CE-800F-2DD3-558A-327BED378E7E}" dt="2025-04-10T12:50:38.786" v="182" actId="20577"/>
-          <ac:spMkLst>
-            <pc:docMk/>
-            <pc:sldMk cId="1322360691" sldId="262"/>
-            <ac:spMk id="2" creationId="{374E9A59-9CC1-4173-C5A8-3FE721DB9D68}"/>
-          </ac:spMkLst>
-        </pc:spChg>
-        <pc:spChg chg="mod">
-          <ac:chgData name="Mizu Asakura" userId="a3259a6cf1c50659" providerId="Windows Live" clId="Web-{B4ECA8CE-800F-2DD3-558A-327BED378E7E}" dt="2025-04-10T12:50:47.832" v="186" actId="20577"/>
-          <ac:spMkLst>
-            <pc:docMk/>
-            <pc:sldMk cId="1322360691" sldId="262"/>
-            <ac:spMk id="3" creationId="{B1CC2126-451B-7CA7-8CFB-1581DDF7E466}"/>
-          </ac:spMkLst>
-        </pc:spChg>
-      </pc:sldChg>
-    </pc:docChg>
-  </pc:docChgLst>
-</pc:chgInfo>
 </file>
 
 <file path=ppt/slideLayouts/slideLayout1.xml><?xml version="1.0" encoding="utf-8"?>
@@ -973,13 +135,7 @@
       </p:grpSpPr>
       <p:sp>
         <p:nvSpPr>
-          <p:cNvPr id="2" name="Title 1">
-            <a:extLst>
-              <a:ext uri="{FF2B5EF4-FFF2-40B4-BE49-F238E27FC236}">
-                <a16:creationId xmlns:a16="http://schemas.microsoft.com/office/drawing/2014/main" id="{B345610A-17B4-4656-93CF-E1D9982860F7}"/>
-              </a:ext>
-            </a:extLst>
-          </p:cNvPr>
+          <p:cNvPr id="2" name="Title 1"/>
           <p:cNvSpPr>
             <a:spLocks noGrp="1"/>
           </p:cNvSpPr>
@@ -1007,18 +163,13 @@
               <a:rPr lang="en-US"/>
               <a:t>Click to edit Master title style</a:t>
             </a:r>
-          </a:p>
-        </p:txBody>
-      </p:sp>
-      <p:sp>
-        <p:nvSpPr>
-          <p:cNvPr id="3" name="Subtitle 2">
-            <a:extLst>
-              <a:ext uri="{FF2B5EF4-FFF2-40B4-BE49-F238E27FC236}">
-                <a16:creationId xmlns:a16="http://schemas.microsoft.com/office/drawing/2014/main" id="{A451C80B-DFD6-415B-BA5B-E56E510CD12B}"/>
-              </a:ext>
-            </a:extLst>
-          </p:cNvPr>
+            <a:endParaRPr lang="en-US"/>
+          </a:p>
+        </p:txBody>
+      </p:sp>
+      <p:sp>
+        <p:nvSpPr>
+          <p:cNvPr id="3" name="Subtitle 2"/>
           <p:cNvSpPr>
             <a:spLocks noGrp="1"/>
           </p:cNvSpPr>
@@ -1082,18 +233,13 @@
               <a:rPr lang="en-US"/>
               <a:t>Click to edit Master subtitle style</a:t>
             </a:r>
-          </a:p>
-        </p:txBody>
-      </p:sp>
-      <p:sp>
-        <p:nvSpPr>
-          <p:cNvPr id="4" name="Date Placeholder 3">
-            <a:extLst>
-              <a:ext uri="{FF2B5EF4-FFF2-40B4-BE49-F238E27FC236}">
-                <a16:creationId xmlns:a16="http://schemas.microsoft.com/office/drawing/2014/main" id="{67A2065B-06FF-4991-9F8A-4BE25457B479}"/>
-              </a:ext>
-            </a:extLst>
-          </p:cNvPr>
+            <a:endParaRPr lang="en-US"/>
+          </a:p>
+        </p:txBody>
+      </p:sp>
+      <p:sp>
+        <p:nvSpPr>
+          <p:cNvPr id="4" name="Date Placeholder 3"/>
           <p:cNvSpPr>
             <a:spLocks noGrp="1"/>
           </p:cNvSpPr>
@@ -1108,7 +254,6 @@
           <a:p>
             <a:fld id="{8D5D83F1-BF6E-4A98-8153-BAC9ABDE7CE3}" type="datetimeFigureOut">
               <a:rPr lang="en-US" dirty="0"/>
-              <a:t>4/10/2025</a:t>
             </a:fld>
             <a:endParaRPr lang="en-US"/>
           </a:p>
@@ -1116,13 +261,7 @@
       </p:sp>
       <p:sp>
         <p:nvSpPr>
-          <p:cNvPr id="5" name="Footer Placeholder 4">
-            <a:extLst>
-              <a:ext uri="{FF2B5EF4-FFF2-40B4-BE49-F238E27FC236}">
-                <a16:creationId xmlns:a16="http://schemas.microsoft.com/office/drawing/2014/main" id="{B20DF2FA-C604-45D8-A633-11D3742EC141}"/>
-              </a:ext>
-            </a:extLst>
-          </p:cNvPr>
+          <p:cNvPr id="5" name="Footer Placeholder 4"/>
           <p:cNvSpPr>
             <a:spLocks noGrp="1"/>
           </p:cNvSpPr>
@@ -1140,18 +279,13 @@
               <a:t>
               </a:t>
             </a:r>
-          </a:p>
-        </p:txBody>
-      </p:sp>
-      <p:sp>
-        <p:nvSpPr>
-          <p:cNvPr id="6" name="Slide Number Placeholder 5">
-            <a:extLst>
-              <a:ext uri="{FF2B5EF4-FFF2-40B4-BE49-F238E27FC236}">
-                <a16:creationId xmlns:a16="http://schemas.microsoft.com/office/drawing/2014/main" id="{02EE5DA9-2D04-4850-AB9F-BD353816504A}"/>
-              </a:ext>
-            </a:extLst>
-          </p:cNvPr>
+            <a:endParaRPr lang="en-US"/>
+          </a:p>
+        </p:txBody>
+      </p:sp>
+      <p:sp>
+        <p:nvSpPr>
+          <p:cNvPr id="6" name="Slide Number Placeholder 5"/>
           <p:cNvSpPr>
             <a:spLocks noGrp="1"/>
           </p:cNvSpPr>
@@ -1166,38 +300,16 @@
           <a:p>
             <a:fld id="{70C12960-6E85-460F-B6E3-5B82CB31AF3D}" type="slidenum">
               <a:rPr lang="en-US" dirty="0"/>
-              <a:t>‹#›</a:t>
             </a:fld>
             <a:endParaRPr lang="en-US"/>
           </a:p>
         </p:txBody>
       </p:sp>
     </p:spTree>
-    <p:extLst>
-      <p:ext uri="{BB962C8B-B14F-4D97-AF65-F5344CB8AC3E}">
-        <p14:creationId xmlns:p14="http://schemas.microsoft.com/office/powerpoint/2010/main" val="2417294992"/>
-      </p:ext>
-    </p:extLst>
   </p:cSld>
   <p:clrMapOvr>
     <a:masterClrMapping/>
   </p:clrMapOvr>
-  <p:extLst>
-    <p:ext uri="{DCECCB84-F9BA-43D5-87BE-67443E8EF086}">
-      <p15:sldGuideLst xmlns:p15="http://schemas.microsoft.com/office/powerpoint/2012/main">
-        <p15:guide id="1" orient="horz" pos="2160">
-          <p15:clr>
-            <a:srgbClr val="FBAE40"/>
-          </p15:clr>
-        </p15:guide>
-        <p15:guide id="2" pos="3840">
-          <p15:clr>
-            <a:srgbClr val="FBAE40"/>
-          </p15:clr>
-        </p15:guide>
-      </p15:sldGuideLst>
-    </p:ext>
-  </p:extLst>
 </p:sldLayout>
 </file>
 
@@ -1220,13 +332,7 @@
       </p:grpSpPr>
       <p:sp>
         <p:nvSpPr>
-          <p:cNvPr id="2" name="Title 1">
-            <a:extLst>
-              <a:ext uri="{FF2B5EF4-FFF2-40B4-BE49-F238E27FC236}">
-                <a16:creationId xmlns:a16="http://schemas.microsoft.com/office/drawing/2014/main" id="{495E4BB7-3F30-4C31-9BB2-8EC24FC0A1D6}"/>
-              </a:ext>
-            </a:extLst>
-          </p:cNvPr>
+          <p:cNvPr id="2" name="Title 1"/>
           <p:cNvSpPr>
             <a:spLocks noGrp="1"/>
           </p:cNvSpPr>
@@ -1243,18 +349,13 @@
               <a:rPr lang="en-US"/>
               <a:t>Click to edit Master title style</a:t>
             </a:r>
-          </a:p>
-        </p:txBody>
-      </p:sp>
-      <p:sp>
-        <p:nvSpPr>
-          <p:cNvPr id="3" name="Vertical Text Placeholder 2">
-            <a:extLst>
-              <a:ext uri="{FF2B5EF4-FFF2-40B4-BE49-F238E27FC236}">
-                <a16:creationId xmlns:a16="http://schemas.microsoft.com/office/drawing/2014/main" id="{1ECF4134-70F5-4EE6-88BE-49D129630CDF}"/>
-              </a:ext>
-            </a:extLst>
-          </p:cNvPr>
+            <a:endParaRPr lang="en-US"/>
+          </a:p>
+        </p:txBody>
+      </p:sp>
+      <p:sp>
+        <p:nvSpPr>
+          <p:cNvPr id="3" name="Vertical Text Placeholder 2"/>
           <p:cNvSpPr>
             <a:spLocks noGrp="1"/>
           </p:cNvSpPr>
@@ -1272,6 +373,7 @@
               <a:rPr lang="en-US"/>
               <a:t>Click to edit Master text styles</a:t>
             </a:r>
+            <a:endParaRPr lang="en-US"/>
           </a:p>
           <a:p>
             <a:pPr lvl="1"/>
@@ -1279,6 +381,7 @@
               <a:rPr lang="en-US"/>
               <a:t>Second level</a:t>
             </a:r>
+            <a:endParaRPr lang="en-US"/>
           </a:p>
           <a:p>
             <a:pPr lvl="2"/>
@@ -1286,6 +389,7 @@
               <a:rPr lang="en-US"/>
               <a:t>Third level</a:t>
             </a:r>
+            <a:endParaRPr lang="en-US"/>
           </a:p>
           <a:p>
             <a:pPr lvl="3"/>
@@ -1293,6 +397,7 @@
               <a:rPr lang="en-US"/>
               <a:t>Fourth level</a:t>
             </a:r>
+            <a:endParaRPr lang="en-US"/>
           </a:p>
           <a:p>
             <a:pPr lvl="4"/>
@@ -1300,18 +405,13 @@
               <a:rPr lang="en-US"/>
               <a:t>Fifth level</a:t>
             </a:r>
-          </a:p>
-        </p:txBody>
-      </p:sp>
-      <p:sp>
-        <p:nvSpPr>
-          <p:cNvPr id="4" name="Date Placeholder 3">
-            <a:extLst>
-              <a:ext uri="{FF2B5EF4-FFF2-40B4-BE49-F238E27FC236}">
-                <a16:creationId xmlns:a16="http://schemas.microsoft.com/office/drawing/2014/main" id="{C19EABC7-C044-44DE-B303-55A0581DA1E8}"/>
-              </a:ext>
-            </a:extLst>
-          </p:cNvPr>
+            <a:endParaRPr lang="en-US"/>
+          </a:p>
+        </p:txBody>
+      </p:sp>
+      <p:sp>
+        <p:nvSpPr>
+          <p:cNvPr id="4" name="Date Placeholder 3"/>
           <p:cNvSpPr>
             <a:spLocks noGrp="1"/>
           </p:cNvSpPr>
@@ -1326,7 +426,6 @@
           <a:p>
             <a:fld id="{ED9BE5A2-57A1-4629-B29D-D386573AF9F3}" type="datetimeFigureOut">
               <a:rPr lang="en-US" dirty="0"/>
-              <a:t>4/10/2025</a:t>
             </a:fld>
             <a:endParaRPr lang="en-US"/>
           </a:p>
@@ -1334,13 +433,7 @@
       </p:sp>
       <p:sp>
         <p:nvSpPr>
-          <p:cNvPr id="5" name="Footer Placeholder 4">
-            <a:extLst>
-              <a:ext uri="{FF2B5EF4-FFF2-40B4-BE49-F238E27FC236}">
-                <a16:creationId xmlns:a16="http://schemas.microsoft.com/office/drawing/2014/main" id="{4D4A63E1-5BC5-402E-9916-BAB84BCF0BB2}"/>
-              </a:ext>
-            </a:extLst>
-          </p:cNvPr>
+          <p:cNvPr id="5" name="Footer Placeholder 4"/>
           <p:cNvSpPr>
             <a:spLocks noGrp="1"/>
           </p:cNvSpPr>
@@ -1358,18 +451,13 @@
               <a:t>
               </a:t>
             </a:r>
-          </a:p>
-        </p:txBody>
-      </p:sp>
-      <p:sp>
-        <p:nvSpPr>
-          <p:cNvPr id="6" name="Slide Number Placeholder 5">
-            <a:extLst>
-              <a:ext uri="{FF2B5EF4-FFF2-40B4-BE49-F238E27FC236}">
-                <a16:creationId xmlns:a16="http://schemas.microsoft.com/office/drawing/2014/main" id="{0A2EF915-AF64-4ECC-8B1A-B7E6A89B7917}"/>
-              </a:ext>
-            </a:extLst>
-          </p:cNvPr>
+            <a:endParaRPr lang="en-US"/>
+          </a:p>
+        </p:txBody>
+      </p:sp>
+      <p:sp>
+        <p:nvSpPr>
+          <p:cNvPr id="6" name="Slide Number Placeholder 5"/>
           <p:cNvSpPr>
             <a:spLocks noGrp="1"/>
           </p:cNvSpPr>
@@ -1384,18 +472,12 @@
           <a:p>
             <a:fld id="{70C12960-6E85-460F-B6E3-5B82CB31AF3D}" type="slidenum">
               <a:rPr lang="en-US" dirty="0"/>
-              <a:t>‹#›</a:t>
             </a:fld>
             <a:endParaRPr lang="en-US"/>
           </a:p>
         </p:txBody>
       </p:sp>
     </p:spTree>
-    <p:extLst>
-      <p:ext uri="{BB962C8B-B14F-4D97-AF65-F5344CB8AC3E}">
-        <p14:creationId xmlns:p14="http://schemas.microsoft.com/office/powerpoint/2010/main" val="344033585"/>
-      </p:ext>
-    </p:extLst>
   </p:cSld>
   <p:clrMapOvr>
     <a:masterClrMapping/>
@@ -1422,13 +504,7 @@
       </p:grpSpPr>
       <p:sp>
         <p:nvSpPr>
-          <p:cNvPr id="2" name="Vertical Title 1">
-            <a:extLst>
-              <a:ext uri="{FF2B5EF4-FFF2-40B4-BE49-F238E27FC236}">
-                <a16:creationId xmlns:a16="http://schemas.microsoft.com/office/drawing/2014/main" id="{6EB09414-2AA1-4D8E-A00A-C092FBC92D91}"/>
-              </a:ext>
-            </a:extLst>
-          </p:cNvPr>
+          <p:cNvPr id="2" name="Vertical Title 1"/>
           <p:cNvSpPr>
             <a:spLocks noGrp="1"/>
           </p:cNvSpPr>
@@ -1450,18 +526,13 @@
               <a:rPr lang="en-US"/>
               <a:t>Click to edit Master title style</a:t>
             </a:r>
-          </a:p>
-        </p:txBody>
-      </p:sp>
-      <p:sp>
-        <p:nvSpPr>
-          <p:cNvPr id="3" name="Vertical Text Placeholder 2">
-            <a:extLst>
-              <a:ext uri="{FF2B5EF4-FFF2-40B4-BE49-F238E27FC236}">
-                <a16:creationId xmlns:a16="http://schemas.microsoft.com/office/drawing/2014/main" id="{D42C3A78-37C5-46D0-9DF4-CB78AF883C2C}"/>
-              </a:ext>
-            </a:extLst>
-          </p:cNvPr>
+            <a:endParaRPr lang="en-US"/>
+          </a:p>
+        </p:txBody>
+      </p:sp>
+      <p:sp>
+        <p:nvSpPr>
+          <p:cNvPr id="3" name="Vertical Text Placeholder 2"/>
           <p:cNvSpPr>
             <a:spLocks noGrp="1"/>
           </p:cNvSpPr>
@@ -1484,6 +555,7 @@
               <a:rPr lang="en-US"/>
               <a:t>Click to edit Master text styles</a:t>
             </a:r>
+            <a:endParaRPr lang="en-US"/>
           </a:p>
           <a:p>
             <a:pPr lvl="1"/>
@@ -1491,6 +563,7 @@
               <a:rPr lang="en-US"/>
               <a:t>Second level</a:t>
             </a:r>
+            <a:endParaRPr lang="en-US"/>
           </a:p>
           <a:p>
             <a:pPr lvl="2"/>
@@ -1498,6 +571,7 @@
               <a:rPr lang="en-US"/>
               <a:t>Third level</a:t>
             </a:r>
+            <a:endParaRPr lang="en-US"/>
           </a:p>
           <a:p>
             <a:pPr lvl="3"/>
@@ -1505,6 +579,7 @@
               <a:rPr lang="en-US"/>
               <a:t>Fourth level</a:t>
             </a:r>
+            <a:endParaRPr lang="en-US"/>
           </a:p>
           <a:p>
             <a:pPr lvl="4"/>
@@ -1512,18 +587,13 @@
               <a:rPr lang="en-US"/>
               <a:t>Fifth level</a:t>
             </a:r>
-          </a:p>
-        </p:txBody>
-      </p:sp>
-      <p:sp>
-        <p:nvSpPr>
-          <p:cNvPr id="4" name="Date Placeholder 3">
-            <a:extLst>
-              <a:ext uri="{FF2B5EF4-FFF2-40B4-BE49-F238E27FC236}">
-                <a16:creationId xmlns:a16="http://schemas.microsoft.com/office/drawing/2014/main" id="{49D8705E-925D-4F57-8268-107CE3CF4C45}"/>
-              </a:ext>
-            </a:extLst>
-          </p:cNvPr>
+            <a:endParaRPr lang="en-US"/>
+          </a:p>
+        </p:txBody>
+      </p:sp>
+      <p:sp>
+        <p:nvSpPr>
+          <p:cNvPr id="4" name="Date Placeholder 3"/>
           <p:cNvSpPr>
             <a:spLocks noGrp="1"/>
           </p:cNvSpPr>
@@ -1538,7 +608,6 @@
           <a:p>
             <a:fld id="{A3A72485-1B57-41B4-A998-97848CC136C2}" type="datetimeFigureOut">
               <a:rPr lang="en-US" dirty="0"/>
-              <a:t>4/10/2025</a:t>
             </a:fld>
             <a:endParaRPr lang="en-US"/>
           </a:p>
@@ -1546,13 +615,7 @@
       </p:sp>
       <p:sp>
         <p:nvSpPr>
-          <p:cNvPr id="5" name="Footer Placeholder 4">
-            <a:extLst>
-              <a:ext uri="{FF2B5EF4-FFF2-40B4-BE49-F238E27FC236}">
-                <a16:creationId xmlns:a16="http://schemas.microsoft.com/office/drawing/2014/main" id="{50FE207E-070D-4EC8-A44C-21F1815FDAAC}"/>
-              </a:ext>
-            </a:extLst>
-          </p:cNvPr>
+          <p:cNvPr id="5" name="Footer Placeholder 4"/>
           <p:cNvSpPr>
             <a:spLocks noGrp="1"/>
           </p:cNvSpPr>
@@ -1570,18 +633,13 @@
               <a:t>
               </a:t>
             </a:r>
-          </a:p>
-        </p:txBody>
-      </p:sp>
-      <p:sp>
-        <p:nvSpPr>
-          <p:cNvPr id="6" name="Slide Number Placeholder 5">
-            <a:extLst>
-              <a:ext uri="{FF2B5EF4-FFF2-40B4-BE49-F238E27FC236}">
-                <a16:creationId xmlns:a16="http://schemas.microsoft.com/office/drawing/2014/main" id="{715D01D1-C266-4161-A820-C084B980131C}"/>
-              </a:ext>
-            </a:extLst>
-          </p:cNvPr>
+            <a:endParaRPr lang="en-US"/>
+          </a:p>
+        </p:txBody>
+      </p:sp>
+      <p:sp>
+        <p:nvSpPr>
+          <p:cNvPr id="6" name="Slide Number Placeholder 5"/>
           <p:cNvSpPr>
             <a:spLocks noGrp="1"/>
           </p:cNvSpPr>
@@ -1596,18 +654,12 @@
           <a:p>
             <a:fld id="{70C12960-6E85-460F-B6E3-5B82CB31AF3D}" type="slidenum">
               <a:rPr lang="en-US" dirty="0"/>
-              <a:t>‹#›</a:t>
             </a:fld>
             <a:endParaRPr lang="en-US"/>
           </a:p>
         </p:txBody>
       </p:sp>
     </p:spTree>
-    <p:extLst>
-      <p:ext uri="{BB962C8B-B14F-4D97-AF65-F5344CB8AC3E}">
-        <p14:creationId xmlns:p14="http://schemas.microsoft.com/office/powerpoint/2010/main" val="1737508630"/>
-      </p:ext>
-    </p:extLst>
   </p:cSld>
   <p:clrMapOvr>
     <a:masterClrMapping/>
@@ -1634,13 +686,7 @@
       </p:grpSpPr>
       <p:sp>
         <p:nvSpPr>
-          <p:cNvPr id="2" name="Title 1">
-            <a:extLst>
-              <a:ext uri="{FF2B5EF4-FFF2-40B4-BE49-F238E27FC236}">
-                <a16:creationId xmlns:a16="http://schemas.microsoft.com/office/drawing/2014/main" id="{1E08B246-6A68-46BE-9DBD-614FA8CF4E26}"/>
-              </a:ext>
-            </a:extLst>
-          </p:cNvPr>
+          <p:cNvPr id="2" name="Title 1"/>
           <p:cNvSpPr>
             <a:spLocks noGrp="1"/>
           </p:cNvSpPr>
@@ -1657,18 +703,13 @@
               <a:rPr lang="en-US"/>
               <a:t>Click to edit Master title style</a:t>
             </a:r>
-          </a:p>
-        </p:txBody>
-      </p:sp>
-      <p:sp>
-        <p:nvSpPr>
-          <p:cNvPr id="3" name="Content Placeholder 2">
-            <a:extLst>
-              <a:ext uri="{FF2B5EF4-FFF2-40B4-BE49-F238E27FC236}">
-                <a16:creationId xmlns:a16="http://schemas.microsoft.com/office/drawing/2014/main" id="{03E47706-8D18-4093-A7C1-F30D7543CEDE}"/>
-              </a:ext>
-            </a:extLst>
-          </p:cNvPr>
+            <a:endParaRPr lang="en-US"/>
+          </a:p>
+        </p:txBody>
+      </p:sp>
+      <p:sp>
+        <p:nvSpPr>
+          <p:cNvPr id="3" name="Content Placeholder 2"/>
           <p:cNvSpPr>
             <a:spLocks noGrp="1"/>
           </p:cNvSpPr>
@@ -1686,6 +727,7 @@
               <a:rPr lang="en-US"/>
               <a:t>Click to edit Master text styles</a:t>
             </a:r>
+            <a:endParaRPr lang="en-US"/>
           </a:p>
           <a:p>
             <a:pPr lvl="1"/>
@@ -1693,6 +735,7 @@
               <a:rPr lang="en-US"/>
               <a:t>Second level</a:t>
             </a:r>
+            <a:endParaRPr lang="en-US"/>
           </a:p>
           <a:p>
             <a:pPr lvl="2"/>
@@ -1700,6 +743,7 @@
               <a:rPr lang="en-US"/>
               <a:t>Third level</a:t>
             </a:r>
+            <a:endParaRPr lang="en-US"/>
           </a:p>
           <a:p>
             <a:pPr lvl="3"/>
@@ -1707,6 +751,7 @@
               <a:rPr lang="en-US"/>
               <a:t>Fourth level</a:t>
             </a:r>
+            <a:endParaRPr lang="en-US"/>
           </a:p>
           <a:p>
             <a:pPr lvl="4"/>
@@ -1714,18 +759,13 @@
               <a:rPr lang="en-US"/>
               <a:t>Fifth level</a:t>
             </a:r>
-          </a:p>
-        </p:txBody>
-      </p:sp>
-      <p:sp>
-        <p:nvSpPr>
-          <p:cNvPr id="4" name="Date Placeholder 3">
-            <a:extLst>
-              <a:ext uri="{FF2B5EF4-FFF2-40B4-BE49-F238E27FC236}">
-                <a16:creationId xmlns:a16="http://schemas.microsoft.com/office/drawing/2014/main" id="{3EC7C8FC-AAEA-4AB6-9DB5-2503F58F0E69}"/>
-              </a:ext>
-            </a:extLst>
-          </p:cNvPr>
+            <a:endParaRPr lang="en-US"/>
+          </a:p>
+        </p:txBody>
+      </p:sp>
+      <p:sp>
+        <p:nvSpPr>
+          <p:cNvPr id="4" name="Date Placeholder 3"/>
           <p:cNvSpPr>
             <a:spLocks noGrp="1"/>
           </p:cNvSpPr>
@@ -1740,7 +780,6 @@
           <a:p>
             <a:fld id="{BA576E92-E5C8-4FF8-B2BE-A516F6A1724E}" type="datetimeFigureOut">
               <a:rPr lang="en-US" dirty="0"/>
-              <a:t>4/10/2025</a:t>
             </a:fld>
             <a:endParaRPr lang="en-US"/>
           </a:p>
@@ -1748,13 +787,7 @@
       </p:sp>
       <p:sp>
         <p:nvSpPr>
-          <p:cNvPr id="5" name="Footer Placeholder 4">
-            <a:extLst>
-              <a:ext uri="{FF2B5EF4-FFF2-40B4-BE49-F238E27FC236}">
-                <a16:creationId xmlns:a16="http://schemas.microsoft.com/office/drawing/2014/main" id="{E8B1616B-3F08-4869-A522-773C38940F66}"/>
-              </a:ext>
-            </a:extLst>
-          </p:cNvPr>
+          <p:cNvPr id="5" name="Footer Placeholder 4"/>
           <p:cNvSpPr>
             <a:spLocks noGrp="1"/>
           </p:cNvSpPr>
@@ -1772,18 +805,13 @@
               <a:t>
               </a:t>
             </a:r>
-          </a:p>
-        </p:txBody>
-      </p:sp>
-      <p:sp>
-        <p:nvSpPr>
-          <p:cNvPr id="6" name="Slide Number Placeholder 5">
-            <a:extLst>
-              <a:ext uri="{FF2B5EF4-FFF2-40B4-BE49-F238E27FC236}">
-                <a16:creationId xmlns:a16="http://schemas.microsoft.com/office/drawing/2014/main" id="{3E030CE6-9124-4B3A-A912-AE16B5C34003}"/>
-              </a:ext>
-            </a:extLst>
-          </p:cNvPr>
+            <a:endParaRPr lang="en-US"/>
+          </a:p>
+        </p:txBody>
+      </p:sp>
+      <p:sp>
+        <p:nvSpPr>
+          <p:cNvPr id="6" name="Slide Number Placeholder 5"/>
           <p:cNvSpPr>
             <a:spLocks noGrp="1"/>
           </p:cNvSpPr>
@@ -1798,18 +826,12 @@
           <a:p>
             <a:fld id="{70C12960-6E85-460F-B6E3-5B82CB31AF3D}" type="slidenum">
               <a:rPr lang="en-US" dirty="0"/>
-              <a:t>‹#›</a:t>
             </a:fld>
             <a:endParaRPr lang="en-US"/>
           </a:p>
         </p:txBody>
       </p:sp>
     </p:spTree>
-    <p:extLst>
-      <p:ext uri="{BB962C8B-B14F-4D97-AF65-F5344CB8AC3E}">
-        <p14:creationId xmlns:p14="http://schemas.microsoft.com/office/powerpoint/2010/main" val="3423308111"/>
-      </p:ext>
-    </p:extLst>
   </p:cSld>
   <p:clrMapOvr>
     <a:masterClrMapping/>
@@ -1836,13 +858,7 @@
       </p:grpSpPr>
       <p:sp>
         <p:nvSpPr>
-          <p:cNvPr id="2" name="Title 1">
-            <a:extLst>
-              <a:ext uri="{FF2B5EF4-FFF2-40B4-BE49-F238E27FC236}">
-                <a16:creationId xmlns:a16="http://schemas.microsoft.com/office/drawing/2014/main" id="{16C78885-57B2-4930-BD7D-CBF916EDF1C6}"/>
-              </a:ext>
-            </a:extLst>
-          </p:cNvPr>
+          <p:cNvPr id="2" name="Title 1"/>
           <p:cNvSpPr>
             <a:spLocks noGrp="1"/>
           </p:cNvSpPr>
@@ -1870,18 +886,13 @@
               <a:rPr lang="en-US"/>
               <a:t>Click to edit Master title style</a:t>
             </a:r>
-          </a:p>
-        </p:txBody>
-      </p:sp>
-      <p:sp>
-        <p:nvSpPr>
-          <p:cNvPr id="3" name="Text Placeholder 2">
-            <a:extLst>
-              <a:ext uri="{FF2B5EF4-FFF2-40B4-BE49-F238E27FC236}">
-                <a16:creationId xmlns:a16="http://schemas.microsoft.com/office/drawing/2014/main" id="{9BE495E4-2F8B-4CC7-88AC-A312067E60D2}"/>
-              </a:ext>
-            </a:extLst>
-          </p:cNvPr>
+            <a:endParaRPr lang="en-US"/>
+          </a:p>
+        </p:txBody>
+      </p:sp>
+      <p:sp>
+        <p:nvSpPr>
+          <p:cNvPr id="3" name="Text Placeholder 2"/>
           <p:cNvSpPr>
             <a:spLocks noGrp="1"/>
           </p:cNvSpPr>
@@ -1997,18 +1008,13 @@
               <a:rPr lang="en-US"/>
               <a:t>Click to edit Master text styles</a:t>
             </a:r>
-          </a:p>
-        </p:txBody>
-      </p:sp>
-      <p:sp>
-        <p:nvSpPr>
-          <p:cNvPr id="4" name="Date Placeholder 3">
-            <a:extLst>
-              <a:ext uri="{FF2B5EF4-FFF2-40B4-BE49-F238E27FC236}">
-                <a16:creationId xmlns:a16="http://schemas.microsoft.com/office/drawing/2014/main" id="{F8585CC9-BAD3-4807-90BB-97DA2D6A6BE2}"/>
-              </a:ext>
-            </a:extLst>
-          </p:cNvPr>
+            <a:endParaRPr lang="en-US"/>
+          </a:p>
+        </p:txBody>
+      </p:sp>
+      <p:sp>
+        <p:nvSpPr>
+          <p:cNvPr id="4" name="Date Placeholder 3"/>
           <p:cNvSpPr>
             <a:spLocks noGrp="1"/>
           </p:cNvSpPr>
@@ -2023,7 +1029,6 @@
           <a:p>
             <a:fld id="{06DDB232-C681-46A2-B21F-2BD21E9CA134}" type="datetimeFigureOut">
               <a:rPr lang="en-US" dirty="0"/>
-              <a:t>4/10/2025</a:t>
             </a:fld>
             <a:endParaRPr lang="en-US"/>
           </a:p>
@@ -2031,13 +1036,7 @@
       </p:sp>
       <p:sp>
         <p:nvSpPr>
-          <p:cNvPr id="5" name="Footer Placeholder 4">
-            <a:extLst>
-              <a:ext uri="{FF2B5EF4-FFF2-40B4-BE49-F238E27FC236}">
-                <a16:creationId xmlns:a16="http://schemas.microsoft.com/office/drawing/2014/main" id="{5F108CEF-165F-4D7E-9666-5CD0156B497C}"/>
-              </a:ext>
-            </a:extLst>
-          </p:cNvPr>
+          <p:cNvPr id="5" name="Footer Placeholder 4"/>
           <p:cNvSpPr>
             <a:spLocks noGrp="1"/>
           </p:cNvSpPr>
@@ -2055,18 +1054,13 @@
               <a:t>
               </a:t>
             </a:r>
-          </a:p>
-        </p:txBody>
-      </p:sp>
-      <p:sp>
-        <p:nvSpPr>
-          <p:cNvPr id="6" name="Slide Number Placeholder 5">
-            <a:extLst>
-              <a:ext uri="{FF2B5EF4-FFF2-40B4-BE49-F238E27FC236}">
-                <a16:creationId xmlns:a16="http://schemas.microsoft.com/office/drawing/2014/main" id="{FE0EBC3D-3277-4D34-9F67-71040C21E3B3}"/>
-              </a:ext>
-            </a:extLst>
-          </p:cNvPr>
+            <a:endParaRPr lang="en-US"/>
+          </a:p>
+        </p:txBody>
+      </p:sp>
+      <p:sp>
+        <p:nvSpPr>
+          <p:cNvPr id="6" name="Slide Number Placeholder 5"/>
           <p:cNvSpPr>
             <a:spLocks noGrp="1"/>
           </p:cNvSpPr>
@@ -2081,18 +1075,12 @@
           <a:p>
             <a:fld id="{70C12960-6E85-460F-B6E3-5B82CB31AF3D}" type="slidenum">
               <a:rPr lang="en-US" dirty="0"/>
-              <a:t>‹#›</a:t>
             </a:fld>
             <a:endParaRPr lang="en-US"/>
           </a:p>
         </p:txBody>
       </p:sp>
     </p:spTree>
-    <p:extLst>
-      <p:ext uri="{BB962C8B-B14F-4D97-AF65-F5344CB8AC3E}">
-        <p14:creationId xmlns:p14="http://schemas.microsoft.com/office/powerpoint/2010/main" val="3956098635"/>
-      </p:ext>
-    </p:extLst>
   </p:cSld>
   <p:clrMapOvr>
     <a:masterClrMapping/>
@@ -2119,13 +1107,7 @@
       </p:grpSpPr>
       <p:sp>
         <p:nvSpPr>
-          <p:cNvPr id="2" name="Title 1">
-            <a:extLst>
-              <a:ext uri="{FF2B5EF4-FFF2-40B4-BE49-F238E27FC236}">
-                <a16:creationId xmlns:a16="http://schemas.microsoft.com/office/drawing/2014/main" id="{CDB477A4-4D01-45B6-9563-0BF13BA72F7C}"/>
-              </a:ext>
-            </a:extLst>
-          </p:cNvPr>
+          <p:cNvPr id="2" name="Title 1"/>
           <p:cNvSpPr>
             <a:spLocks noGrp="1"/>
           </p:cNvSpPr>
@@ -2142,18 +1124,13 @@
               <a:rPr lang="en-US"/>
               <a:t>Click to edit Master title style</a:t>
             </a:r>
-          </a:p>
-        </p:txBody>
-      </p:sp>
-      <p:sp>
-        <p:nvSpPr>
-          <p:cNvPr id="3" name="Content Placeholder 2">
-            <a:extLst>
-              <a:ext uri="{FF2B5EF4-FFF2-40B4-BE49-F238E27FC236}">
-                <a16:creationId xmlns:a16="http://schemas.microsoft.com/office/drawing/2014/main" id="{2EE17E00-96AC-45F0-82B2-9F601E9B93C2}"/>
-              </a:ext>
-            </a:extLst>
-          </p:cNvPr>
+            <a:endParaRPr lang="en-US"/>
+          </a:p>
+        </p:txBody>
+      </p:sp>
+      <p:sp>
+        <p:nvSpPr>
+          <p:cNvPr id="3" name="Content Placeholder 2"/>
           <p:cNvSpPr>
             <a:spLocks noGrp="1"/>
           </p:cNvSpPr>
@@ -2176,6 +1153,7 @@
               <a:rPr lang="en-US"/>
               <a:t>Click to edit Master text styles</a:t>
             </a:r>
+            <a:endParaRPr lang="en-US"/>
           </a:p>
           <a:p>
             <a:pPr lvl="1"/>
@@ -2183,6 +1161,7 @@
               <a:rPr lang="en-US"/>
               <a:t>Second level</a:t>
             </a:r>
+            <a:endParaRPr lang="en-US"/>
           </a:p>
           <a:p>
             <a:pPr lvl="2"/>
@@ -2190,6 +1169,7 @@
               <a:rPr lang="en-US"/>
               <a:t>Third level</a:t>
             </a:r>
+            <a:endParaRPr lang="en-US"/>
           </a:p>
           <a:p>
             <a:pPr lvl="3"/>
@@ -2197,6 +1177,7 @@
               <a:rPr lang="en-US"/>
               <a:t>Fourth level</a:t>
             </a:r>
+            <a:endParaRPr lang="en-US"/>
           </a:p>
           <a:p>
             <a:pPr lvl="4"/>
@@ -2204,18 +1185,13 @@
               <a:rPr lang="en-US"/>
               <a:t>Fifth level</a:t>
             </a:r>
-          </a:p>
-        </p:txBody>
-      </p:sp>
-      <p:sp>
-        <p:nvSpPr>
-          <p:cNvPr id="4" name="Content Placeholder 3">
-            <a:extLst>
-              <a:ext uri="{FF2B5EF4-FFF2-40B4-BE49-F238E27FC236}">
-                <a16:creationId xmlns:a16="http://schemas.microsoft.com/office/drawing/2014/main" id="{72BA30CD-95C0-427B-A571-A7D8A53278F4}"/>
-              </a:ext>
-            </a:extLst>
-          </p:cNvPr>
+            <a:endParaRPr lang="en-US"/>
+          </a:p>
+        </p:txBody>
+      </p:sp>
+      <p:sp>
+        <p:nvSpPr>
+          <p:cNvPr id="4" name="Content Placeholder 3"/>
           <p:cNvSpPr>
             <a:spLocks noGrp="1"/>
           </p:cNvSpPr>
@@ -2238,6 +1214,7 @@
               <a:rPr lang="en-US"/>
               <a:t>Click to edit Master text styles</a:t>
             </a:r>
+            <a:endParaRPr lang="en-US"/>
           </a:p>
           <a:p>
             <a:pPr lvl="1"/>
@@ -2245,6 +1222,7 @@
               <a:rPr lang="en-US"/>
               <a:t>Second level</a:t>
             </a:r>
+            <a:endParaRPr lang="en-US"/>
           </a:p>
           <a:p>
             <a:pPr lvl="2"/>
@@ -2252,6 +1230,7 @@
               <a:rPr lang="en-US"/>
               <a:t>Third level</a:t>
             </a:r>
+            <a:endParaRPr lang="en-US"/>
           </a:p>
           <a:p>
             <a:pPr lvl="3"/>
@@ -2259,6 +1238,7 @@
               <a:rPr lang="en-US"/>
               <a:t>Fourth level</a:t>
             </a:r>
+            <a:endParaRPr lang="en-US"/>
           </a:p>
           <a:p>
             <a:pPr lvl="4"/>
@@ -2266,18 +1246,13 @@
               <a:rPr lang="en-US"/>
               <a:t>Fifth level</a:t>
             </a:r>
-          </a:p>
-        </p:txBody>
-      </p:sp>
-      <p:sp>
-        <p:nvSpPr>
-          <p:cNvPr id="5" name="Date Placeholder 4">
-            <a:extLst>
-              <a:ext uri="{FF2B5EF4-FFF2-40B4-BE49-F238E27FC236}">
-                <a16:creationId xmlns:a16="http://schemas.microsoft.com/office/drawing/2014/main" id="{86F67CAC-53E4-44AF-BEAC-8FFB96F05A86}"/>
-              </a:ext>
-            </a:extLst>
-          </p:cNvPr>
+            <a:endParaRPr lang="en-US"/>
+          </a:p>
+        </p:txBody>
+      </p:sp>
+      <p:sp>
+        <p:nvSpPr>
+          <p:cNvPr id="5" name="Date Placeholder 4"/>
           <p:cNvSpPr>
             <a:spLocks noGrp="1"/>
           </p:cNvSpPr>
@@ -2292,7 +1267,6 @@
           <a:p>
             <a:fld id="{30ABE26E-66F9-4E5F-9E07-CA7CDB200281}" type="datetimeFigureOut">
               <a:rPr lang="en-US" dirty="0"/>
-              <a:t>4/10/2025</a:t>
             </a:fld>
             <a:endParaRPr lang="en-US"/>
           </a:p>
@@ -2300,13 +1274,7 @@
       </p:sp>
       <p:sp>
         <p:nvSpPr>
-          <p:cNvPr id="6" name="Footer Placeholder 5">
-            <a:extLst>
-              <a:ext uri="{FF2B5EF4-FFF2-40B4-BE49-F238E27FC236}">
-                <a16:creationId xmlns:a16="http://schemas.microsoft.com/office/drawing/2014/main" id="{083D9F3A-E7F0-45E7-AFA8-0D4A669EC16C}"/>
-              </a:ext>
-            </a:extLst>
-          </p:cNvPr>
+          <p:cNvPr id="6" name="Footer Placeholder 5"/>
           <p:cNvSpPr>
             <a:spLocks noGrp="1"/>
           </p:cNvSpPr>
@@ -2324,18 +1292,13 @@
               <a:t>
               </a:t>
             </a:r>
-          </a:p>
-        </p:txBody>
-      </p:sp>
-      <p:sp>
-        <p:nvSpPr>
-          <p:cNvPr id="7" name="Slide Number Placeholder 6">
-            <a:extLst>
-              <a:ext uri="{FF2B5EF4-FFF2-40B4-BE49-F238E27FC236}">
-                <a16:creationId xmlns:a16="http://schemas.microsoft.com/office/drawing/2014/main" id="{3C5F008B-58BB-45FF-923F-5909DAB49D34}"/>
-              </a:ext>
-            </a:extLst>
-          </p:cNvPr>
+            <a:endParaRPr lang="en-US"/>
+          </a:p>
+        </p:txBody>
+      </p:sp>
+      <p:sp>
+        <p:nvSpPr>
+          <p:cNvPr id="7" name="Slide Number Placeholder 6"/>
           <p:cNvSpPr>
             <a:spLocks noGrp="1"/>
           </p:cNvSpPr>
@@ -2350,18 +1313,12 @@
           <a:p>
             <a:fld id="{70C12960-6E85-460F-B6E3-5B82CB31AF3D}" type="slidenum">
               <a:rPr lang="en-US" dirty="0"/>
-              <a:t>‹#›</a:t>
             </a:fld>
             <a:endParaRPr lang="en-US"/>
           </a:p>
         </p:txBody>
       </p:sp>
     </p:spTree>
-    <p:extLst>
-      <p:ext uri="{BB962C8B-B14F-4D97-AF65-F5344CB8AC3E}">
-        <p14:creationId xmlns:p14="http://schemas.microsoft.com/office/powerpoint/2010/main" val="3251396563"/>
-      </p:ext>
-    </p:extLst>
   </p:cSld>
   <p:clrMapOvr>
     <a:masterClrMapping/>
@@ -2388,13 +1345,7 @@
       </p:grpSpPr>
       <p:sp>
         <p:nvSpPr>
-          <p:cNvPr id="2" name="Title 1">
-            <a:extLst>
-              <a:ext uri="{FF2B5EF4-FFF2-40B4-BE49-F238E27FC236}">
-                <a16:creationId xmlns:a16="http://schemas.microsoft.com/office/drawing/2014/main" id="{EA97B549-9E51-42E0-992A-73E775957773}"/>
-              </a:ext>
-            </a:extLst>
-          </p:cNvPr>
+          <p:cNvPr id="2" name="Title 1"/>
           <p:cNvSpPr>
             <a:spLocks noGrp="1"/>
           </p:cNvSpPr>
@@ -2416,18 +1367,13 @@
               <a:rPr lang="en-US"/>
               <a:t>Click to edit Master title style</a:t>
             </a:r>
-          </a:p>
-        </p:txBody>
-      </p:sp>
-      <p:sp>
-        <p:nvSpPr>
-          <p:cNvPr id="3" name="Text Placeholder 2">
-            <a:extLst>
-              <a:ext uri="{FF2B5EF4-FFF2-40B4-BE49-F238E27FC236}">
-                <a16:creationId xmlns:a16="http://schemas.microsoft.com/office/drawing/2014/main" id="{C81A5FDC-7C4B-45FB-8462-E2CE79919F33}"/>
-              </a:ext>
-            </a:extLst>
-          </p:cNvPr>
+            <a:endParaRPr lang="en-US"/>
+          </a:p>
+        </p:txBody>
+      </p:sp>
+      <p:sp>
+        <p:nvSpPr>
+          <p:cNvPr id="3" name="Text Placeholder 2"/>
           <p:cNvSpPr>
             <a:spLocks noGrp="1"/>
           </p:cNvSpPr>
@@ -2489,18 +1435,13 @@
               <a:rPr lang="en-US"/>
               <a:t>Click to edit Master text styles</a:t>
             </a:r>
-          </a:p>
-        </p:txBody>
-      </p:sp>
-      <p:sp>
-        <p:nvSpPr>
-          <p:cNvPr id="4" name="Content Placeholder 3">
-            <a:extLst>
-              <a:ext uri="{FF2B5EF4-FFF2-40B4-BE49-F238E27FC236}">
-                <a16:creationId xmlns:a16="http://schemas.microsoft.com/office/drawing/2014/main" id="{CBD8B686-2E92-45B9-A3D7-9DCAA0C50B36}"/>
-              </a:ext>
-            </a:extLst>
-          </p:cNvPr>
+            <a:endParaRPr lang="en-US"/>
+          </a:p>
+        </p:txBody>
+      </p:sp>
+      <p:sp>
+        <p:nvSpPr>
+          <p:cNvPr id="4" name="Content Placeholder 3"/>
           <p:cNvSpPr>
             <a:spLocks noGrp="1"/>
           </p:cNvSpPr>
@@ -2523,6 +1464,7 @@
               <a:rPr lang="en-US"/>
               <a:t>Click to edit Master text styles</a:t>
             </a:r>
+            <a:endParaRPr lang="en-US"/>
           </a:p>
           <a:p>
             <a:pPr lvl="1"/>
@@ -2530,6 +1472,7 @@
               <a:rPr lang="en-US"/>
               <a:t>Second level</a:t>
             </a:r>
+            <a:endParaRPr lang="en-US"/>
           </a:p>
           <a:p>
             <a:pPr lvl="2"/>
@@ -2537,6 +1480,7 @@
               <a:rPr lang="en-US"/>
               <a:t>Third level</a:t>
             </a:r>
+            <a:endParaRPr lang="en-US"/>
           </a:p>
           <a:p>
             <a:pPr lvl="3"/>
@@ -2544,6 +1488,7 @@
               <a:rPr lang="en-US"/>
               <a:t>Fourth level</a:t>
             </a:r>
+            <a:endParaRPr lang="en-US"/>
           </a:p>
           <a:p>
             <a:pPr lvl="4"/>
@@ -2551,18 +1496,13 @@
               <a:rPr lang="en-US"/>
               <a:t>Fifth level</a:t>
             </a:r>
-          </a:p>
-        </p:txBody>
-      </p:sp>
-      <p:sp>
-        <p:nvSpPr>
-          <p:cNvPr id="5" name="Text Placeholder 4">
-            <a:extLst>
-              <a:ext uri="{FF2B5EF4-FFF2-40B4-BE49-F238E27FC236}">
-                <a16:creationId xmlns:a16="http://schemas.microsoft.com/office/drawing/2014/main" id="{86ADB526-4A44-47B6-8D14-93202E590AA7}"/>
-              </a:ext>
-            </a:extLst>
-          </p:cNvPr>
+            <a:endParaRPr lang="en-US"/>
+          </a:p>
+        </p:txBody>
+      </p:sp>
+      <p:sp>
+        <p:nvSpPr>
+          <p:cNvPr id="5" name="Text Placeholder 4"/>
           <p:cNvSpPr>
             <a:spLocks noGrp="1"/>
           </p:cNvSpPr>
@@ -2624,18 +1564,13 @@
               <a:rPr lang="en-US"/>
               <a:t>Click to edit Master text styles</a:t>
             </a:r>
-          </a:p>
-        </p:txBody>
-      </p:sp>
-      <p:sp>
-        <p:nvSpPr>
-          <p:cNvPr id="6" name="Content Placeholder 5">
-            <a:extLst>
-              <a:ext uri="{FF2B5EF4-FFF2-40B4-BE49-F238E27FC236}">
-                <a16:creationId xmlns:a16="http://schemas.microsoft.com/office/drawing/2014/main" id="{574177CA-5C13-4311-BFD3-B98FBD942DA5}"/>
-              </a:ext>
-            </a:extLst>
-          </p:cNvPr>
+            <a:endParaRPr lang="en-US"/>
+          </a:p>
+        </p:txBody>
+      </p:sp>
+      <p:sp>
+        <p:nvSpPr>
+          <p:cNvPr id="6" name="Content Placeholder 5"/>
           <p:cNvSpPr>
             <a:spLocks noGrp="1"/>
           </p:cNvSpPr>
@@ -2658,6 +1593,7 @@
               <a:rPr lang="en-US"/>
               <a:t>Click to edit Master text styles</a:t>
             </a:r>
+            <a:endParaRPr lang="en-US"/>
           </a:p>
           <a:p>
             <a:pPr lvl="1"/>
@@ -2665,6 +1601,7 @@
               <a:rPr lang="en-US"/>
               <a:t>Second level</a:t>
             </a:r>
+            <a:endParaRPr lang="en-US"/>
           </a:p>
           <a:p>
             <a:pPr lvl="2"/>
@@ -2672,6 +1609,7 @@
               <a:rPr lang="en-US"/>
               <a:t>Third level</a:t>
             </a:r>
+            <a:endParaRPr lang="en-US"/>
           </a:p>
           <a:p>
             <a:pPr lvl="3"/>
@@ -2679,6 +1617,7 @@
               <a:rPr lang="en-US"/>
               <a:t>Fourth level</a:t>
             </a:r>
+            <a:endParaRPr lang="en-US"/>
           </a:p>
           <a:p>
             <a:pPr lvl="4"/>
@@ -2686,18 +1625,13 @@
               <a:rPr lang="en-US"/>
               <a:t>Fifth level</a:t>
             </a:r>
-          </a:p>
-        </p:txBody>
-      </p:sp>
-      <p:sp>
-        <p:nvSpPr>
-          <p:cNvPr id="7" name="Date Placeholder 6">
-            <a:extLst>
-              <a:ext uri="{FF2B5EF4-FFF2-40B4-BE49-F238E27FC236}">
-                <a16:creationId xmlns:a16="http://schemas.microsoft.com/office/drawing/2014/main" id="{4DEA255A-4CB5-40CA-B756-1AA5E27C20BF}"/>
-              </a:ext>
-            </a:extLst>
-          </p:cNvPr>
+            <a:endParaRPr lang="en-US"/>
+          </a:p>
+        </p:txBody>
+      </p:sp>
+      <p:sp>
+        <p:nvSpPr>
+          <p:cNvPr id="7" name="Date Placeholder 6"/>
           <p:cNvSpPr>
             <a:spLocks noGrp="1"/>
           </p:cNvSpPr>
@@ -2712,7 +1646,6 @@
           <a:p>
             <a:fld id="{85A1A01C-F286-49E7-998E-3D5BB613F99A}" type="datetimeFigureOut">
               <a:rPr lang="en-US" dirty="0"/>
-              <a:t>4/10/2025</a:t>
             </a:fld>
             <a:endParaRPr lang="en-US"/>
           </a:p>
@@ -2720,13 +1653,7 @@
       </p:sp>
       <p:sp>
         <p:nvSpPr>
-          <p:cNvPr id="8" name="Footer Placeholder 7">
-            <a:extLst>
-              <a:ext uri="{FF2B5EF4-FFF2-40B4-BE49-F238E27FC236}">
-                <a16:creationId xmlns:a16="http://schemas.microsoft.com/office/drawing/2014/main" id="{FF3072C4-10F1-49B8-B0BF-69204EDDCFAE}"/>
-              </a:ext>
-            </a:extLst>
-          </p:cNvPr>
+          <p:cNvPr id="8" name="Footer Placeholder 7"/>
           <p:cNvSpPr>
             <a:spLocks noGrp="1"/>
           </p:cNvSpPr>
@@ -2744,18 +1671,13 @@
               <a:t>
               </a:t>
             </a:r>
-          </a:p>
-        </p:txBody>
-      </p:sp>
-      <p:sp>
-        <p:nvSpPr>
-          <p:cNvPr id="9" name="Slide Number Placeholder 8">
-            <a:extLst>
-              <a:ext uri="{FF2B5EF4-FFF2-40B4-BE49-F238E27FC236}">
-                <a16:creationId xmlns:a16="http://schemas.microsoft.com/office/drawing/2014/main" id="{4A5ACC97-44C1-4887-909B-E6732D3C1FFE}"/>
-              </a:ext>
-            </a:extLst>
-          </p:cNvPr>
+            <a:endParaRPr lang="en-US"/>
+          </a:p>
+        </p:txBody>
+      </p:sp>
+      <p:sp>
+        <p:nvSpPr>
+          <p:cNvPr id="9" name="Slide Number Placeholder 8"/>
           <p:cNvSpPr>
             <a:spLocks noGrp="1"/>
           </p:cNvSpPr>
@@ -2770,18 +1692,12 @@
           <a:p>
             <a:fld id="{70C12960-6E85-460F-B6E3-5B82CB31AF3D}" type="slidenum">
               <a:rPr lang="en-US" dirty="0"/>
-              <a:t>‹#›</a:t>
             </a:fld>
             <a:endParaRPr lang="en-US"/>
           </a:p>
         </p:txBody>
       </p:sp>
     </p:spTree>
-    <p:extLst>
-      <p:ext uri="{BB962C8B-B14F-4D97-AF65-F5344CB8AC3E}">
-        <p14:creationId xmlns:p14="http://schemas.microsoft.com/office/powerpoint/2010/main" val="3331231863"/>
-      </p:ext>
-    </p:extLst>
   </p:cSld>
   <p:clrMapOvr>
     <a:masterClrMapping/>
@@ -2808,13 +1724,7 @@
       </p:grpSpPr>
       <p:sp>
         <p:nvSpPr>
-          <p:cNvPr id="2" name="Title 1">
-            <a:extLst>
-              <a:ext uri="{FF2B5EF4-FFF2-40B4-BE49-F238E27FC236}">
-                <a16:creationId xmlns:a16="http://schemas.microsoft.com/office/drawing/2014/main" id="{AE27D313-943A-47E0-8A7A-DFFBCC297AB7}"/>
-              </a:ext>
-            </a:extLst>
-          </p:cNvPr>
+          <p:cNvPr id="2" name="Title 1"/>
           <p:cNvSpPr>
             <a:spLocks noGrp="1"/>
           </p:cNvSpPr>
@@ -2831,18 +1741,13 @@
               <a:rPr lang="en-US"/>
               <a:t>Click to edit Master title style</a:t>
             </a:r>
-          </a:p>
-        </p:txBody>
-      </p:sp>
-      <p:sp>
-        <p:nvSpPr>
-          <p:cNvPr id="3" name="Date Placeholder 2">
-            <a:extLst>
-              <a:ext uri="{FF2B5EF4-FFF2-40B4-BE49-F238E27FC236}">
-                <a16:creationId xmlns:a16="http://schemas.microsoft.com/office/drawing/2014/main" id="{23AC25A7-81C8-4AA1-AD9F-C78A451FDE2E}"/>
-              </a:ext>
-            </a:extLst>
-          </p:cNvPr>
+            <a:endParaRPr lang="en-US"/>
+          </a:p>
+        </p:txBody>
+      </p:sp>
+      <p:sp>
+        <p:nvSpPr>
+          <p:cNvPr id="3" name="Date Placeholder 2"/>
           <p:cNvSpPr>
             <a:spLocks noGrp="1"/>
           </p:cNvSpPr>
@@ -2857,7 +1762,6 @@
           <a:p>
             <a:fld id="{B7CC2C0A-F771-42D9-AAB0-90C3A2B0FEAD}" type="datetimeFigureOut">
               <a:rPr lang="en-US" dirty="0"/>
-              <a:t>4/10/2025</a:t>
             </a:fld>
             <a:endParaRPr lang="en-US"/>
           </a:p>
@@ -2865,13 +1769,7 @@
       </p:sp>
       <p:sp>
         <p:nvSpPr>
-          <p:cNvPr id="4" name="Footer Placeholder 3">
-            <a:extLst>
-              <a:ext uri="{FF2B5EF4-FFF2-40B4-BE49-F238E27FC236}">
-                <a16:creationId xmlns:a16="http://schemas.microsoft.com/office/drawing/2014/main" id="{6EF54740-6022-46B2-9C55-B60E9651684F}"/>
-              </a:ext>
-            </a:extLst>
-          </p:cNvPr>
+          <p:cNvPr id="4" name="Footer Placeholder 3"/>
           <p:cNvSpPr>
             <a:spLocks noGrp="1"/>
           </p:cNvSpPr>
@@ -2889,18 +1787,13 @@
               <a:t>
               </a:t>
             </a:r>
-          </a:p>
-        </p:txBody>
-      </p:sp>
-      <p:sp>
-        <p:nvSpPr>
-          <p:cNvPr id="5" name="Slide Number Placeholder 4">
-            <a:extLst>
-              <a:ext uri="{FF2B5EF4-FFF2-40B4-BE49-F238E27FC236}">
-                <a16:creationId xmlns:a16="http://schemas.microsoft.com/office/drawing/2014/main" id="{089497C9-6B5E-46D6-8FE9-0A5E0CF7F95B}"/>
-              </a:ext>
-            </a:extLst>
-          </p:cNvPr>
+            <a:endParaRPr lang="en-US"/>
+          </a:p>
+        </p:txBody>
+      </p:sp>
+      <p:sp>
+        <p:nvSpPr>
+          <p:cNvPr id="5" name="Slide Number Placeholder 4"/>
           <p:cNvSpPr>
             <a:spLocks noGrp="1"/>
           </p:cNvSpPr>
@@ -2915,18 +1808,12 @@
           <a:p>
             <a:fld id="{70C12960-6E85-460F-B6E3-5B82CB31AF3D}" type="slidenum">
               <a:rPr lang="en-US" dirty="0"/>
-              <a:t>‹#›</a:t>
             </a:fld>
             <a:endParaRPr lang="en-US"/>
           </a:p>
         </p:txBody>
       </p:sp>
     </p:spTree>
-    <p:extLst>
-      <p:ext uri="{BB962C8B-B14F-4D97-AF65-F5344CB8AC3E}">
-        <p14:creationId xmlns:p14="http://schemas.microsoft.com/office/powerpoint/2010/main" val="84785523"/>
-      </p:ext>
-    </p:extLst>
   </p:cSld>
   <p:clrMapOvr>
     <a:masterClrMapping/>
@@ -2953,13 +1840,7 @@
       </p:grpSpPr>
       <p:sp>
         <p:nvSpPr>
-          <p:cNvPr id="2" name="Date Placeholder 1">
-            <a:extLst>
-              <a:ext uri="{FF2B5EF4-FFF2-40B4-BE49-F238E27FC236}">
-                <a16:creationId xmlns:a16="http://schemas.microsoft.com/office/drawing/2014/main" id="{92740D3C-270A-401A-810C-2F86BBBB87D4}"/>
-              </a:ext>
-            </a:extLst>
-          </p:cNvPr>
+          <p:cNvPr id="2" name="Date Placeholder 1"/>
           <p:cNvSpPr>
             <a:spLocks noGrp="1"/>
           </p:cNvSpPr>
@@ -2974,7 +1855,6 @@
           <a:p>
             <a:fld id="{2CA2A270-409D-4410-9649-B7481576446C}" type="datetimeFigureOut">
               <a:rPr lang="en-US" dirty="0"/>
-              <a:t>4/10/2025</a:t>
             </a:fld>
             <a:endParaRPr lang="en-US"/>
           </a:p>
@@ -2982,13 +1862,7 @@
       </p:sp>
       <p:sp>
         <p:nvSpPr>
-          <p:cNvPr id="3" name="Footer Placeholder 2">
-            <a:extLst>
-              <a:ext uri="{FF2B5EF4-FFF2-40B4-BE49-F238E27FC236}">
-                <a16:creationId xmlns:a16="http://schemas.microsoft.com/office/drawing/2014/main" id="{DDCBE9F8-1765-4F36-A4DE-1DB136025AC9}"/>
-              </a:ext>
-            </a:extLst>
-          </p:cNvPr>
+          <p:cNvPr id="3" name="Footer Placeholder 2"/>
           <p:cNvSpPr>
             <a:spLocks noGrp="1"/>
           </p:cNvSpPr>
@@ -3006,18 +1880,13 @@
               <a:t>
               </a:t>
             </a:r>
-          </a:p>
-        </p:txBody>
-      </p:sp>
-      <p:sp>
-        <p:nvSpPr>
-          <p:cNvPr id="4" name="Slide Number Placeholder 3">
-            <a:extLst>
-              <a:ext uri="{FF2B5EF4-FFF2-40B4-BE49-F238E27FC236}">
-                <a16:creationId xmlns:a16="http://schemas.microsoft.com/office/drawing/2014/main" id="{7790CF9E-A6C6-4873-ADBE-7A2939319E58}"/>
-              </a:ext>
-            </a:extLst>
-          </p:cNvPr>
+            <a:endParaRPr lang="en-US"/>
+          </a:p>
+        </p:txBody>
+      </p:sp>
+      <p:sp>
+        <p:nvSpPr>
+          <p:cNvPr id="4" name="Slide Number Placeholder 3"/>
           <p:cNvSpPr>
             <a:spLocks noGrp="1"/>
           </p:cNvSpPr>
@@ -3032,18 +1901,12 @@
           <a:p>
             <a:fld id="{70C12960-6E85-460F-B6E3-5B82CB31AF3D}" type="slidenum">
               <a:rPr lang="en-US" dirty="0"/>
-              <a:t>‹#›</a:t>
             </a:fld>
             <a:endParaRPr lang="en-US"/>
           </a:p>
         </p:txBody>
       </p:sp>
     </p:spTree>
-    <p:extLst>
-      <p:ext uri="{BB962C8B-B14F-4D97-AF65-F5344CB8AC3E}">
-        <p14:creationId xmlns:p14="http://schemas.microsoft.com/office/powerpoint/2010/main" val="1406399442"/>
-      </p:ext>
-    </p:extLst>
   </p:cSld>
   <p:clrMapOvr>
     <a:masterClrMapping/>
@@ -3070,13 +1933,7 @@
       </p:grpSpPr>
       <p:sp>
         <p:nvSpPr>
-          <p:cNvPr id="2" name="Title 1">
-            <a:extLst>
-              <a:ext uri="{FF2B5EF4-FFF2-40B4-BE49-F238E27FC236}">
-                <a16:creationId xmlns:a16="http://schemas.microsoft.com/office/drawing/2014/main" id="{2F08CDF8-00AD-4441-A6D5-9D7A659EB6C0}"/>
-              </a:ext>
-            </a:extLst>
-          </p:cNvPr>
+          <p:cNvPr id="2" name="Title 1"/>
           <p:cNvSpPr>
             <a:spLocks noGrp="1"/>
           </p:cNvSpPr>
@@ -3102,18 +1959,13 @@
               <a:rPr lang="en-US"/>
               <a:t>Click to edit Master title style</a:t>
             </a:r>
-          </a:p>
-        </p:txBody>
-      </p:sp>
-      <p:sp>
-        <p:nvSpPr>
-          <p:cNvPr id="3" name="Content Placeholder 2">
-            <a:extLst>
-              <a:ext uri="{FF2B5EF4-FFF2-40B4-BE49-F238E27FC236}">
-                <a16:creationId xmlns:a16="http://schemas.microsoft.com/office/drawing/2014/main" id="{28C330AF-CB7E-420A-AE8A-E02E90325885}"/>
-              </a:ext>
-            </a:extLst>
-          </p:cNvPr>
+            <a:endParaRPr lang="en-US"/>
+          </a:p>
+        </p:txBody>
+      </p:sp>
+      <p:sp>
+        <p:nvSpPr>
+          <p:cNvPr id="3" name="Content Placeholder 2"/>
           <p:cNvSpPr>
             <a:spLocks noGrp="1"/>
           </p:cNvSpPr>
@@ -3166,6 +2018,7 @@
               <a:rPr lang="en-US"/>
               <a:t>Click to edit Master text styles</a:t>
             </a:r>
+            <a:endParaRPr lang="en-US"/>
           </a:p>
           <a:p>
             <a:pPr lvl="1"/>
@@ -3173,6 +2026,7 @@
               <a:rPr lang="en-US"/>
               <a:t>Second level</a:t>
             </a:r>
+            <a:endParaRPr lang="en-US"/>
           </a:p>
           <a:p>
             <a:pPr lvl="2"/>
@@ -3180,6 +2034,7 @@
               <a:rPr lang="en-US"/>
               <a:t>Third level</a:t>
             </a:r>
+            <a:endParaRPr lang="en-US"/>
           </a:p>
           <a:p>
             <a:pPr lvl="3"/>
@@ -3187,6 +2042,7 @@
               <a:rPr lang="en-US"/>
               <a:t>Fourth level</a:t>
             </a:r>
+            <a:endParaRPr lang="en-US"/>
           </a:p>
           <a:p>
             <a:pPr lvl="4"/>
@@ -3194,18 +2050,13 @@
               <a:rPr lang="en-US"/>
               <a:t>Fifth level</a:t>
             </a:r>
-          </a:p>
-        </p:txBody>
-      </p:sp>
-      <p:sp>
-        <p:nvSpPr>
-          <p:cNvPr id="4" name="Text Placeholder 3">
-            <a:extLst>
-              <a:ext uri="{FF2B5EF4-FFF2-40B4-BE49-F238E27FC236}">
-                <a16:creationId xmlns:a16="http://schemas.microsoft.com/office/drawing/2014/main" id="{F43257AD-2422-4CDA-9C55-700F4B5BF251}"/>
-              </a:ext>
-            </a:extLst>
-          </p:cNvPr>
+            <a:endParaRPr lang="en-US"/>
+          </a:p>
+        </p:txBody>
+      </p:sp>
+      <p:sp>
+        <p:nvSpPr>
+          <p:cNvPr id="4" name="Text Placeholder 3"/>
           <p:cNvSpPr>
             <a:spLocks noGrp="1"/>
           </p:cNvSpPr>
@@ -3265,18 +2116,13 @@
               <a:rPr lang="en-US"/>
               <a:t>Click to edit Master text styles</a:t>
             </a:r>
-          </a:p>
-        </p:txBody>
-      </p:sp>
-      <p:sp>
-        <p:nvSpPr>
-          <p:cNvPr id="5" name="Date Placeholder 4">
-            <a:extLst>
-              <a:ext uri="{FF2B5EF4-FFF2-40B4-BE49-F238E27FC236}">
-                <a16:creationId xmlns:a16="http://schemas.microsoft.com/office/drawing/2014/main" id="{E51B7454-C1CC-46F2-A6FB-1FE786C48F49}"/>
-              </a:ext>
-            </a:extLst>
-          </p:cNvPr>
+            <a:endParaRPr lang="en-US"/>
+          </a:p>
+        </p:txBody>
+      </p:sp>
+      <p:sp>
+        <p:nvSpPr>
+          <p:cNvPr id="5" name="Date Placeholder 4"/>
           <p:cNvSpPr>
             <a:spLocks noGrp="1"/>
           </p:cNvSpPr>
@@ -3291,7 +2137,6 @@
           <a:p>
             <a:fld id="{42200AA3-798A-4433-8927-6E115914B6EF}" type="datetimeFigureOut">
               <a:rPr lang="en-US" dirty="0"/>
-              <a:t>4/10/2025</a:t>
             </a:fld>
             <a:endParaRPr lang="en-US"/>
           </a:p>
@@ -3299,13 +2144,7 @@
       </p:sp>
       <p:sp>
         <p:nvSpPr>
-          <p:cNvPr id="6" name="Footer Placeholder 5">
-            <a:extLst>
-              <a:ext uri="{FF2B5EF4-FFF2-40B4-BE49-F238E27FC236}">
-                <a16:creationId xmlns:a16="http://schemas.microsoft.com/office/drawing/2014/main" id="{49077DBE-6CC7-421B-AB5E-341E20BD922B}"/>
-              </a:ext>
-            </a:extLst>
-          </p:cNvPr>
+          <p:cNvPr id="6" name="Footer Placeholder 5"/>
           <p:cNvSpPr>
             <a:spLocks noGrp="1"/>
           </p:cNvSpPr>
@@ -3323,18 +2162,13 @@
               <a:t>
               </a:t>
             </a:r>
-          </a:p>
-        </p:txBody>
-      </p:sp>
-      <p:sp>
-        <p:nvSpPr>
-          <p:cNvPr id="7" name="Slide Number Placeholder 6">
-            <a:extLst>
-              <a:ext uri="{FF2B5EF4-FFF2-40B4-BE49-F238E27FC236}">
-                <a16:creationId xmlns:a16="http://schemas.microsoft.com/office/drawing/2014/main" id="{FD6EAB8F-7526-4CDB-B782-FAD8B3E70B0A}"/>
-              </a:ext>
-            </a:extLst>
-          </p:cNvPr>
+            <a:endParaRPr lang="en-US"/>
+          </a:p>
+        </p:txBody>
+      </p:sp>
+      <p:sp>
+        <p:nvSpPr>
+          <p:cNvPr id="7" name="Slide Number Placeholder 6"/>
           <p:cNvSpPr>
             <a:spLocks noGrp="1"/>
           </p:cNvSpPr>
@@ -3349,18 +2183,12 @@
           <a:p>
             <a:fld id="{70C12960-6E85-460F-B6E3-5B82CB31AF3D}" type="slidenum">
               <a:rPr lang="en-US" dirty="0"/>
-              <a:t>‹#›</a:t>
             </a:fld>
             <a:endParaRPr lang="en-US"/>
           </a:p>
         </p:txBody>
       </p:sp>
     </p:spTree>
-    <p:extLst>
-      <p:ext uri="{BB962C8B-B14F-4D97-AF65-F5344CB8AC3E}">
-        <p14:creationId xmlns:p14="http://schemas.microsoft.com/office/powerpoint/2010/main" val="1176034896"/>
-      </p:ext>
-    </p:extLst>
   </p:cSld>
   <p:clrMapOvr>
     <a:masterClrMapping/>
@@ -3387,13 +2215,7 @@
       </p:grpSpPr>
       <p:sp>
         <p:nvSpPr>
-          <p:cNvPr id="2" name="Title 1">
-            <a:extLst>
-              <a:ext uri="{FF2B5EF4-FFF2-40B4-BE49-F238E27FC236}">
-                <a16:creationId xmlns:a16="http://schemas.microsoft.com/office/drawing/2014/main" id="{1231647F-5A61-44C9-81DC-331C9AE5DDAE}"/>
-              </a:ext>
-            </a:extLst>
-          </p:cNvPr>
+          <p:cNvPr id="2" name="Title 1"/>
           <p:cNvSpPr>
             <a:spLocks noGrp="1"/>
           </p:cNvSpPr>
@@ -3419,18 +2241,13 @@
               <a:rPr lang="en-US"/>
               <a:t>Click to edit Master title style</a:t>
             </a:r>
-          </a:p>
-        </p:txBody>
-      </p:sp>
-      <p:sp>
-        <p:nvSpPr>
-          <p:cNvPr id="3" name="Picture Placeholder 2">
-            <a:extLst>
-              <a:ext uri="{FF2B5EF4-FFF2-40B4-BE49-F238E27FC236}">
-                <a16:creationId xmlns:a16="http://schemas.microsoft.com/office/drawing/2014/main" id="{31627A0F-F1B8-49BE-A0FF-7FE16E3BDCC1}"/>
-              </a:ext>
-            </a:extLst>
-          </p:cNvPr>
+            <a:endParaRPr lang="en-US"/>
+          </a:p>
+        </p:txBody>
+      </p:sp>
+      <p:sp>
+        <p:nvSpPr>
+          <p:cNvPr id="3" name="Picture Placeholder 2"/>
           <p:cNvSpPr>
             <a:spLocks noGrp="1" noChangeAspect="1"/>
           </p:cNvSpPr>
@@ -3484,20 +2301,12 @@
               <a:defRPr sz="2000"/>
             </a:lvl9pPr>
           </a:lstStyle>
-          <a:p>
-            <a:endParaRPr/>
-          </a:p>
-        </p:txBody>
-      </p:sp>
-      <p:sp>
-        <p:nvSpPr>
-          <p:cNvPr id="4" name="Text Placeholder 3">
-            <a:extLst>
-              <a:ext uri="{FF2B5EF4-FFF2-40B4-BE49-F238E27FC236}">
-                <a16:creationId xmlns:a16="http://schemas.microsoft.com/office/drawing/2014/main" id="{C86D1BD6-1519-4431-9FAF-7D4F4129972C}"/>
-              </a:ext>
-            </a:extLst>
-          </p:cNvPr>
+          <a:p/>
+        </p:txBody>
+      </p:sp>
+      <p:sp>
+        <p:nvSpPr>
+          <p:cNvPr id="4" name="Text Placeholder 3"/>
           <p:cNvSpPr>
             <a:spLocks noGrp="1"/>
           </p:cNvSpPr>
@@ -3557,18 +2366,13 @@
               <a:rPr lang="en-US"/>
               <a:t>Click to edit Master text styles</a:t>
             </a:r>
-          </a:p>
-        </p:txBody>
-      </p:sp>
-      <p:sp>
-        <p:nvSpPr>
-          <p:cNvPr id="5" name="Date Placeholder 4">
-            <a:extLst>
-              <a:ext uri="{FF2B5EF4-FFF2-40B4-BE49-F238E27FC236}">
-                <a16:creationId xmlns:a16="http://schemas.microsoft.com/office/drawing/2014/main" id="{25A587A0-353B-42C2-BA96-B1ADEDF642BE}"/>
-              </a:ext>
-            </a:extLst>
-          </p:cNvPr>
+            <a:endParaRPr lang="en-US"/>
+          </a:p>
+        </p:txBody>
+      </p:sp>
+      <p:sp>
+        <p:nvSpPr>
+          <p:cNvPr id="5" name="Date Placeholder 4"/>
           <p:cNvSpPr>
             <a:spLocks noGrp="1"/>
           </p:cNvSpPr>
@@ -3583,7 +2387,6 @@
           <a:p>
             <a:fld id="{36322871-0F85-43DC-99D7-CA8E7437E2EC}" type="datetimeFigureOut">
               <a:rPr lang="en-US" dirty="0"/>
-              <a:t>4/10/2025</a:t>
             </a:fld>
             <a:endParaRPr lang="en-US"/>
           </a:p>
@@ -3591,13 +2394,7 @@
       </p:sp>
       <p:sp>
         <p:nvSpPr>
-          <p:cNvPr id="6" name="Footer Placeholder 5">
-            <a:extLst>
-              <a:ext uri="{FF2B5EF4-FFF2-40B4-BE49-F238E27FC236}">
-                <a16:creationId xmlns:a16="http://schemas.microsoft.com/office/drawing/2014/main" id="{44D5A88E-3957-4B76-B1BE-4164029217B5}"/>
-              </a:ext>
-            </a:extLst>
-          </p:cNvPr>
+          <p:cNvPr id="6" name="Footer Placeholder 5"/>
           <p:cNvSpPr>
             <a:spLocks noGrp="1"/>
           </p:cNvSpPr>
@@ -3615,18 +2412,13 @@
               <a:t>
               </a:t>
             </a:r>
-          </a:p>
-        </p:txBody>
-      </p:sp>
-      <p:sp>
-        <p:nvSpPr>
-          <p:cNvPr id="7" name="Slide Number Placeholder 6">
-            <a:extLst>
-              <a:ext uri="{FF2B5EF4-FFF2-40B4-BE49-F238E27FC236}">
-                <a16:creationId xmlns:a16="http://schemas.microsoft.com/office/drawing/2014/main" id="{A5F7C5FD-E56A-4C66-8F23-087F95A2FD0E}"/>
-              </a:ext>
-            </a:extLst>
-          </p:cNvPr>
+            <a:endParaRPr lang="en-US"/>
+          </a:p>
+        </p:txBody>
+      </p:sp>
+      <p:sp>
+        <p:nvSpPr>
+          <p:cNvPr id="7" name="Slide Number Placeholder 6"/>
           <p:cNvSpPr>
             <a:spLocks noGrp="1"/>
           </p:cNvSpPr>
@@ -3641,18 +2433,12 @@
           <a:p>
             <a:fld id="{70C12960-6E85-460F-B6E3-5B82CB31AF3D}" type="slidenum">
               <a:rPr lang="en-US" dirty="0"/>
-              <a:t>‹#›</a:t>
             </a:fld>
             <a:endParaRPr lang="en-US"/>
           </a:p>
         </p:txBody>
       </p:sp>
     </p:spTree>
-    <p:extLst>
-      <p:ext uri="{BB962C8B-B14F-4D97-AF65-F5344CB8AC3E}">
-        <p14:creationId xmlns:p14="http://schemas.microsoft.com/office/powerpoint/2010/main" val="3417139920"/>
-      </p:ext>
-    </p:extLst>
   </p:cSld>
   <p:clrMapOvr>
     <a:masterClrMapping/>
@@ -3684,13 +2470,7 @@
       </p:grpSpPr>
       <p:sp>
         <p:nvSpPr>
-          <p:cNvPr id="2" name="Title Placeholder 1">
-            <a:extLst>
-              <a:ext uri="{FF2B5EF4-FFF2-40B4-BE49-F238E27FC236}">
-                <a16:creationId xmlns:a16="http://schemas.microsoft.com/office/drawing/2014/main" id="{1AB4E786-7636-4278-8595-D365D28A796A}"/>
-              </a:ext>
-            </a:extLst>
-          </p:cNvPr>
+          <p:cNvPr id="2" name="Title Placeholder 1"/>
           <p:cNvSpPr>
             <a:spLocks noGrp="1"/>
           </p:cNvSpPr>
@@ -3717,18 +2497,13 @@
               <a:rPr lang="en-US"/>
               <a:t>Click to edit Master title style</a:t>
             </a:r>
-          </a:p>
-        </p:txBody>
-      </p:sp>
-      <p:sp>
-        <p:nvSpPr>
-          <p:cNvPr id="3" name="Text Placeholder 2">
-            <a:extLst>
-              <a:ext uri="{FF2B5EF4-FFF2-40B4-BE49-F238E27FC236}">
-                <a16:creationId xmlns:a16="http://schemas.microsoft.com/office/drawing/2014/main" id="{EA740849-7059-4C70-992B-5304D2EE9BAB}"/>
-              </a:ext>
-            </a:extLst>
-          </p:cNvPr>
+            <a:endParaRPr lang="en-US"/>
+          </a:p>
+        </p:txBody>
+      </p:sp>
+      <p:sp>
+        <p:nvSpPr>
+          <p:cNvPr id="3" name="Text Placeholder 2"/>
           <p:cNvSpPr>
             <a:spLocks noGrp="1"/>
           </p:cNvSpPr>
@@ -3756,6 +2531,7 @@
               <a:rPr lang="en-US"/>
               <a:t>Click to edit Master text styles</a:t>
             </a:r>
+            <a:endParaRPr lang="en-US"/>
           </a:p>
           <a:p>
             <a:pPr lvl="1"/>
@@ -3763,6 +2539,7 @@
               <a:rPr lang="en-US"/>
               <a:t>Second level</a:t>
             </a:r>
+            <a:endParaRPr lang="en-US"/>
           </a:p>
           <a:p>
             <a:pPr lvl="2"/>
@@ -3770,6 +2547,7 @@
               <a:rPr lang="en-US"/>
               <a:t>Third level</a:t>
             </a:r>
+            <a:endParaRPr lang="en-US"/>
           </a:p>
           <a:p>
             <a:pPr lvl="3"/>
@@ -3777,6 +2555,7 @@
               <a:rPr lang="en-US"/>
               <a:t>Fourth level</a:t>
             </a:r>
+            <a:endParaRPr lang="en-US"/>
           </a:p>
           <a:p>
             <a:pPr lvl="4"/>
@@ -3784,18 +2563,13 @@
               <a:rPr lang="en-US"/>
               <a:t>Fifth level</a:t>
             </a:r>
-          </a:p>
-        </p:txBody>
-      </p:sp>
-      <p:sp>
-        <p:nvSpPr>
-          <p:cNvPr id="4" name="Date Placeholder 3">
-            <a:extLst>
-              <a:ext uri="{FF2B5EF4-FFF2-40B4-BE49-F238E27FC236}">
-                <a16:creationId xmlns:a16="http://schemas.microsoft.com/office/drawing/2014/main" id="{D09FEBF6-CEA6-4332-87B3-697807571C84}"/>
-              </a:ext>
-            </a:extLst>
-          </p:cNvPr>
+            <a:endParaRPr lang="en-US"/>
+          </a:p>
+        </p:txBody>
+      </p:sp>
+      <p:sp>
+        <p:nvSpPr>
+          <p:cNvPr id="4" name="Date Placeholder 3"/>
           <p:cNvSpPr>
             <a:spLocks noGrp="1"/>
           </p:cNvSpPr>
@@ -3826,7 +2600,6 @@
           <a:p>
             <a:fld id="{E857DF4D-D974-434D-9D64-40B7405DF5F0}" type="datetimeFigureOut">
               <a:rPr lang="en-US" dirty="0"/>
-              <a:t>4/10/2025</a:t>
             </a:fld>
             <a:endParaRPr lang="en-US"/>
           </a:p>
@@ -3834,13 +2607,7 @@
       </p:sp>
       <p:sp>
         <p:nvSpPr>
-          <p:cNvPr id="5" name="Footer Placeholder 4">
-            <a:extLst>
-              <a:ext uri="{FF2B5EF4-FFF2-40B4-BE49-F238E27FC236}">
-                <a16:creationId xmlns:a16="http://schemas.microsoft.com/office/drawing/2014/main" id="{BC6BAF94-621C-43E1-BA0C-410A6899031B}"/>
-              </a:ext>
-            </a:extLst>
-          </p:cNvPr>
+          <p:cNvPr id="5" name="Footer Placeholder 4"/>
           <p:cNvSpPr>
             <a:spLocks noGrp="1"/>
           </p:cNvSpPr>
@@ -3874,18 +2641,13 @@
               <a:t>
               </a:t>
             </a:r>
-          </a:p>
-        </p:txBody>
-      </p:sp>
-      <p:sp>
-        <p:nvSpPr>
-          <p:cNvPr id="6" name="Slide Number Placeholder 5">
-            <a:extLst>
-              <a:ext uri="{FF2B5EF4-FFF2-40B4-BE49-F238E27FC236}">
-                <a16:creationId xmlns:a16="http://schemas.microsoft.com/office/drawing/2014/main" id="{137D19E5-9E16-48C9-AAE2-0C70679A8D7B}"/>
-              </a:ext>
-            </a:extLst>
-          </p:cNvPr>
+            <a:endParaRPr lang="en-US"/>
+          </a:p>
+        </p:txBody>
+      </p:sp>
+      <p:sp>
+        <p:nvSpPr>
+          <p:cNvPr id="6" name="Slide Number Placeholder 5"/>
           <p:cNvSpPr>
             <a:spLocks noGrp="1"/>
           </p:cNvSpPr>
@@ -3916,7 +2678,6 @@
           <a:p>
             <a:fld id="{70C12960-6E85-460F-B6E3-5B82CB31AF3D}" type="slidenum">
               <a:rPr lang="en-US" dirty="0"/>
-              <a:t>‹#›</a:t>
             </a:fld>
             <a:endParaRPr lang="en-US"/>
           </a:p>
@@ -3924,16 +2685,8 @@
       </p:sp>
       <p:cxnSp>
         <p:nvCxnSpPr>
-          <p:cNvPr id="7" name="Straight Connector 6">
-            <a:extLst>
-              <a:ext uri="{FF2B5EF4-FFF2-40B4-BE49-F238E27FC236}">
-                <a16:creationId xmlns:a16="http://schemas.microsoft.com/office/drawing/2014/main" id="{F209B62C-3402-4623-9A7C-AA048B56F8C3}"/>
-              </a:ext>
-            </a:extLst>
-          </p:cNvPr>
-          <p:cNvCxnSpPr>
-            <a:cxnSpLocks/>
-          </p:cNvCxnSpPr>
+          <p:cNvPr id="7" name="Straight Connector 6"/>
+          <p:cNvCxnSpPr/>
           <p:nvPr/>
         </p:nvCxnSpPr>
         <p:spPr>
@@ -3962,25 +2715,20 @@
         </p:style>
       </p:cxnSp>
     </p:spTree>
-    <p:extLst>
-      <p:ext uri="{BB962C8B-B14F-4D97-AF65-F5344CB8AC3E}">
-        <p14:creationId xmlns:p14="http://schemas.microsoft.com/office/powerpoint/2010/main" val="4125839493"/>
-      </p:ext>
-    </p:extLst>
   </p:cSld>
   <p:clrMap bg1="lt1" tx1="dk1" bg2="lt2" tx2="dk2" accent1="accent1" accent2="accent2" accent3="accent3" accent4="accent4" accent5="accent5" accent6="accent6" hlink="hlink" folHlink="folHlink"/>
   <p:sldLayoutIdLst>
-    <p:sldLayoutId id="2147483661" r:id="rId1"/>
-    <p:sldLayoutId id="2147483662" r:id="rId2"/>
-    <p:sldLayoutId id="2147483663" r:id="rId3"/>
-    <p:sldLayoutId id="2147483664" r:id="rId4"/>
-    <p:sldLayoutId id="2147483665" r:id="rId5"/>
-    <p:sldLayoutId id="2147483666" r:id="rId6"/>
-    <p:sldLayoutId id="2147483667" r:id="rId7"/>
-    <p:sldLayoutId id="2147483668" r:id="rId8"/>
-    <p:sldLayoutId id="2147483669" r:id="rId9"/>
-    <p:sldLayoutId id="2147483670" r:id="rId10"/>
-    <p:sldLayoutId id="2147483671" r:id="rId11"/>
+    <p:sldLayoutId id="2147483649" r:id="rId1"/>
+    <p:sldLayoutId id="2147483650" r:id="rId2"/>
+    <p:sldLayoutId id="2147483651" r:id="rId3"/>
+    <p:sldLayoutId id="2147483652" r:id="rId4"/>
+    <p:sldLayoutId id="2147483653" r:id="rId5"/>
+    <p:sldLayoutId id="2147483654" r:id="rId6"/>
+    <p:sldLayoutId id="2147483655" r:id="rId7"/>
+    <p:sldLayoutId id="2147483656" r:id="rId8"/>
+    <p:sldLayoutId id="2147483657" r:id="rId9"/>
+    <p:sldLayoutId id="2147483658" r:id="rId10"/>
+    <p:sldLayoutId id="2147483659" r:id="rId11"/>
   </p:sldLayoutIdLst>
   <p:hf hdr="0"/>
   <p:txStyles>
@@ -4012,7 +2760,7 @@
           <a:spcPts val="1000"/>
         </a:spcBef>
         <a:buSzPct val="87000"/>
-        <a:buFont typeface="Arial" panose="020B0604020202020204" pitchFamily="34" charset="0"/>
+        <a:buFont typeface="Arial" panose="02080604020202020204" pitchFamily="34" charset="0"/>
         <a:buChar char="•"/>
         <a:defRPr sz="2000" kern="1200">
           <a:solidFill>
@@ -4023,7 +2771,7 @@
           <a:cs typeface="+mn-cs"/>
         </a:defRPr>
       </a:lvl1pPr>
-      <a:lvl2pPr marL="493776" indent="-228600" algn="l" defTabSz="914400" rtl="0" eaLnBrk="1" latinLnBrk="0" hangingPunct="1">
+      <a:lvl2pPr marL="494030" indent="-228600" algn="l" defTabSz="914400" rtl="0" eaLnBrk="1" latinLnBrk="0" hangingPunct="1">
         <a:lnSpc>
           <a:spcPct val="120000"/>
         </a:lnSpc>
@@ -4031,7 +2779,7 @@
           <a:spcPts val="500"/>
         </a:spcBef>
         <a:buSzPct val="87000"/>
-        <a:buFont typeface="Arial" panose="020B0604020202020204" pitchFamily="34" charset="0"/>
+        <a:buFont typeface="Arial" panose="02080604020202020204" pitchFamily="34" charset="0"/>
         <a:buChar char="•"/>
         <a:defRPr sz="1800" kern="1200">
           <a:solidFill>
@@ -4050,7 +2798,7 @@
           <a:spcPts val="500"/>
         </a:spcBef>
         <a:buSzPct val="87000"/>
-        <a:buFont typeface="Arial" panose="020B0604020202020204" pitchFamily="34" charset="0"/>
+        <a:buFont typeface="Arial" panose="02080604020202020204" pitchFamily="34" charset="0"/>
         <a:buChar char="•"/>
         <a:defRPr sz="1600" kern="1200">
           <a:solidFill>
@@ -4069,7 +2817,7 @@
           <a:spcPts val="500"/>
         </a:spcBef>
         <a:buSzPct val="87000"/>
-        <a:buFont typeface="Arial" panose="020B0604020202020204" pitchFamily="34" charset="0"/>
+        <a:buFont typeface="Arial" panose="02080604020202020204" pitchFamily="34" charset="0"/>
         <a:buChar char="•"/>
         <a:defRPr sz="1400" kern="1200">
           <a:solidFill>
@@ -4080,7 +2828,7 @@
           <a:cs typeface="+mn-cs"/>
         </a:defRPr>
       </a:lvl4pPr>
-      <a:lvl5pPr marL="1298448" indent="-228600" algn="l" defTabSz="914400" rtl="0" eaLnBrk="1" latinLnBrk="0" hangingPunct="1">
+      <a:lvl5pPr marL="1298575" indent="-228600" algn="l" defTabSz="914400" rtl="0" eaLnBrk="1" latinLnBrk="0" hangingPunct="1">
         <a:lnSpc>
           <a:spcPct val="120000"/>
         </a:lnSpc>
@@ -4088,7 +2836,7 @@
           <a:spcPts val="500"/>
         </a:spcBef>
         <a:buSzPct val="87000"/>
-        <a:buFont typeface="Arial" panose="020B0604020202020204" pitchFamily="34" charset="0"/>
+        <a:buFont typeface="Arial" panose="02080604020202020204" pitchFamily="34" charset="0"/>
         <a:buChar char="•"/>
         <a:defRPr sz="1400" kern="1200">
           <a:solidFill>
@@ -4106,7 +2854,7 @@
         <a:spcBef>
           <a:spcPts val="500"/>
         </a:spcBef>
-        <a:buFont typeface="Arial" panose="020B0604020202020204" pitchFamily="34" charset="0"/>
+        <a:buFont typeface="Arial" panose="02080604020202020204" pitchFamily="34" charset="0"/>
         <a:buChar char="•"/>
         <a:defRPr sz="1800" kern="1200">
           <a:solidFill>
@@ -4124,7 +2872,7 @@
         <a:spcBef>
           <a:spcPts val="500"/>
         </a:spcBef>
-        <a:buFont typeface="Arial" panose="020B0604020202020204" pitchFamily="34" charset="0"/>
+        <a:buFont typeface="Arial" panose="02080604020202020204" pitchFamily="34" charset="0"/>
         <a:buChar char="•"/>
         <a:defRPr sz="1800" kern="1200">
           <a:solidFill>
@@ -4142,7 +2890,7 @@
         <a:spcBef>
           <a:spcPts val="500"/>
         </a:spcBef>
-        <a:buFont typeface="Arial" panose="020B0604020202020204" pitchFamily="34" charset="0"/>
+        <a:buFont typeface="Arial" panose="02080604020202020204" pitchFamily="34" charset="0"/>
         <a:buChar char="•"/>
         <a:defRPr sz="1800" kern="1200">
           <a:solidFill>
@@ -4160,7 +2908,7 @@
         <a:spcBef>
           <a:spcPts val="500"/>
         </a:spcBef>
-        <a:buFont typeface="Arial" panose="020B0604020202020204" pitchFamily="34" charset="0"/>
+        <a:buFont typeface="Arial" panose="02080604020202020204" pitchFamily="34" charset="0"/>
         <a:buChar char="•"/>
         <a:defRPr sz="1800" kern="1200">
           <a:solidFill>
@@ -4268,32 +3016,6 @@
       </a:lvl9pPr>
     </p:otherStyle>
   </p:txStyles>
-  <p:extLst>
-    <p:ext uri="{27BBF7A9-308A-43DC-89C8-2F10F3537804}">
-      <p15:sldGuideLst xmlns:p15="http://schemas.microsoft.com/office/powerpoint/2012/main">
-        <p15:guide id="3" orient="horz" pos="2160">
-          <p15:clr>
-            <a:srgbClr val="F26B43"/>
-          </p15:clr>
-        </p15:guide>
-        <p15:guide id="4" pos="3840">
-          <p15:clr>
-            <a:srgbClr val="F26B43"/>
-          </p15:clr>
-        </p15:guide>
-        <p15:guide id="5" pos="576">
-          <p15:clr>
-            <a:srgbClr val="F26B43"/>
-          </p15:clr>
-        </p15:guide>
-        <p15:guide id="6" orient="horz" pos="864">
-          <p15:clr>
-            <a:srgbClr val="F26B43"/>
-          </p15:clr>
-        </p15:guide>
-      </p15:sldGuideLst>
-    </p:ext>
-  </p:extLst>
 </p:sldMaster>
 </file>
 
@@ -4331,15 +3053,15 @@
           <a:p>
             <a:r>
               <a:rPr lang="zh-CN">
-                <a:latin typeface="Microsoft YaHei"/>
-                <a:ea typeface="Microsoft YaHei"/>
+                <a:latin typeface="微软雅黑"/>
+                <a:ea typeface="微软雅黑"/>
                 <a:cs typeface="+mj-lt"/>
               </a:rPr>
               <a:t>操作系统中期进展汇报</a:t>
             </a:r>
             <a:endParaRPr lang="zh-CN">
-              <a:latin typeface="Microsoft YaHei"/>
-              <a:ea typeface="Microsoft YaHei"/>
+              <a:latin typeface="微软雅黑"/>
+              <a:ea typeface="微软雅黑"/>
             </a:endParaRPr>
           </a:p>
         </p:txBody>
@@ -4368,12 +3090,17 @@
             </a:pPr>
             <a:r>
               <a:rPr lang="zh-CN" altLang="en-US" sz="2800">
-                <a:latin typeface="Microsoft YaHei"/>
-                <a:ea typeface="Microsoft YaHei"/>
+                <a:latin typeface="微软雅黑"/>
+                <a:ea typeface="微软雅黑"/>
                 <a:cs typeface="+mj-lt"/>
               </a:rPr>
               <a:t>郭士尧 王铮</a:t>
             </a:r>
+            <a:endParaRPr lang="zh-CN" altLang="en-US" sz="2800">
+              <a:latin typeface="微软雅黑"/>
+              <a:ea typeface="微软雅黑"/>
+              <a:cs typeface="+mj-lt"/>
+            </a:endParaRPr>
           </a:p>
           <a:p>
             <a:pPr>
@@ -4383,21 +3110,21 @@
             </a:pPr>
             <a:r>
               <a:rPr lang="zh-CN" altLang="en-US" sz="2800">
-                <a:latin typeface="Microsoft YaHei"/>
-                <a:ea typeface="Microsoft YaHei"/>
+                <a:latin typeface="微软雅黑"/>
+                <a:ea typeface="微软雅黑"/>
                 <a:cs typeface="+mj-lt"/>
               </a:rPr>
               <a:t>4.10</a:t>
             </a:r>
+            <a:endParaRPr lang="zh-CN" altLang="en-US" sz="2800">
+              <a:latin typeface="微软雅黑"/>
+              <a:ea typeface="微软雅黑"/>
+              <a:cs typeface="+mj-lt"/>
+            </a:endParaRPr>
           </a:p>
         </p:txBody>
       </p:sp>
     </p:spTree>
-    <p:extLst>
-      <p:ext uri="{BB962C8B-B14F-4D97-AF65-F5344CB8AC3E}">
-        <p14:creationId xmlns:p14="http://schemas.microsoft.com/office/powerpoint/2010/main" val="703088496"/>
-      </p:ext>
-    </p:extLst>
   </p:cSld>
   <p:clrMapOvr>
     <a:masterClrMapping/>
@@ -4424,13 +3151,7 @@
       </p:grpSpPr>
       <p:sp>
         <p:nvSpPr>
-          <p:cNvPr id="2" name="标题 1">
-            <a:extLst>
-              <a:ext uri="{FF2B5EF4-FFF2-40B4-BE49-F238E27FC236}">
-                <a16:creationId xmlns:a16="http://schemas.microsoft.com/office/drawing/2014/main" id="{0AF6AD4C-C54B-FD21-4F80-5B47D0D52CD5}"/>
-              </a:ext>
-            </a:extLst>
-          </p:cNvPr>
+          <p:cNvPr id="2" name="标题 1"/>
           <p:cNvSpPr>
             <a:spLocks noGrp="1"/>
           </p:cNvSpPr>
@@ -4445,24 +3166,23 @@
           <a:p>
             <a:r>
               <a:rPr lang="zh-CN" altLang="en-US">
-                <a:latin typeface="Microsoft YaHei"/>
-                <a:ea typeface="Microsoft YaHei"/>
+                <a:latin typeface="微软雅黑"/>
+                <a:ea typeface="微软雅黑"/>
                 <a:cs typeface="Calibri"/>
               </a:rPr>
               <a:t>后续</a:t>
             </a:r>
-          </a:p>
-        </p:txBody>
-      </p:sp>
-      <p:sp>
-        <p:nvSpPr>
-          <p:cNvPr id="3" name="内容占位符 2">
-            <a:extLst>
-              <a:ext uri="{FF2B5EF4-FFF2-40B4-BE49-F238E27FC236}">
-                <a16:creationId xmlns:a16="http://schemas.microsoft.com/office/drawing/2014/main" id="{71CED2F7-BF7D-8390-FB27-3B61D9571364}"/>
-              </a:ext>
-            </a:extLst>
-          </p:cNvPr>
+            <a:endParaRPr lang="zh-CN" altLang="en-US">
+              <a:latin typeface="微软雅黑"/>
+              <a:ea typeface="微软雅黑"/>
+              <a:cs typeface="Calibri"/>
+            </a:endParaRPr>
+          </a:p>
+        </p:txBody>
+      </p:sp>
+      <p:sp>
+        <p:nvSpPr>
+          <p:cNvPr id="3" name="内容占位符 2"/>
           <p:cNvSpPr>
             <a:spLocks noGrp="1"/>
           </p:cNvSpPr>
@@ -4522,7 +3242,7 @@
                 <a:latin typeface="Arial"/>
                 <a:ea typeface="宋体"/>
                 <a:cs typeface="Arial"/>
-                <a:hlinkClick r:id="rId2"/>
+                <a:hlinkClick r:id="rId1"/>
               </a:rPr>
               <a:t>https://github.com/oscomp/starry-next/pull/18</a:t>
             </a:r>
@@ -4640,6 +3360,11 @@
               </a:rPr>
               <a:t>Syscalls</a:t>
             </a:r>
+            <a:endParaRPr lang="en-US" altLang="zh-CN" sz="7300">
+              <a:latin typeface="Arial"/>
+              <a:ea typeface="宋体"/>
+              <a:cs typeface="Arial"/>
+            </a:endParaRPr>
           </a:p>
           <a:p>
             <a:pPr>
@@ -4655,6 +3380,11 @@
               </a:rPr>
               <a:t>实现更多测例</a:t>
             </a:r>
+            <a:endParaRPr lang="zh-CN" sz="7100">
+              <a:latin typeface="Arial"/>
+              <a:ea typeface="宋体"/>
+              <a:cs typeface="Arial"/>
+            </a:endParaRPr>
           </a:p>
           <a:p>
             <a:pPr>
@@ -4680,6 +3410,9 @@
               </a:rPr>
               <a:t>：</a:t>
             </a:r>
+            <a:endParaRPr lang="en-US" altLang="en-US" sz="6700">
+              <a:ea typeface="宋体"/>
+            </a:endParaRPr>
           </a:p>
           <a:p>
             <a:pPr marL="493395" lvl="1">
@@ -4768,11 +3501,6 @@
         </p:txBody>
       </p:sp>
     </p:spTree>
-    <p:extLst>
-      <p:ext uri="{BB962C8B-B14F-4D97-AF65-F5344CB8AC3E}">
-        <p14:creationId xmlns:p14="http://schemas.microsoft.com/office/powerpoint/2010/main" val="1395821387"/>
-      </p:ext>
-    </p:extLst>
   </p:cSld>
   <p:clrMapOvr>
     <a:masterClrMapping/>
@@ -4799,13 +3527,7 @@
       </p:grpSpPr>
       <p:sp>
         <p:nvSpPr>
-          <p:cNvPr id="2" name="标题 1">
-            <a:extLst>
-              <a:ext uri="{FF2B5EF4-FFF2-40B4-BE49-F238E27FC236}">
-                <a16:creationId xmlns:a16="http://schemas.microsoft.com/office/drawing/2014/main" id="{AE081A8D-0936-DECA-0EAF-38EC8DAF52A4}"/>
-              </a:ext>
-            </a:extLst>
-          </p:cNvPr>
+          <p:cNvPr id="2" name="标题 1"/>
           <p:cNvSpPr>
             <a:spLocks noGrp="1"/>
           </p:cNvSpPr>
@@ -4830,13 +3552,7 @@
       </p:sp>
       <p:sp>
         <p:nvSpPr>
-          <p:cNvPr id="3" name="内容占位符 2">
-            <a:extLst>
-              <a:ext uri="{FF2B5EF4-FFF2-40B4-BE49-F238E27FC236}">
-                <a16:creationId xmlns:a16="http://schemas.microsoft.com/office/drawing/2014/main" id="{043AEBFE-D80D-7908-4CA2-EB00D836D7F0}"/>
-              </a:ext>
-            </a:extLst>
-          </p:cNvPr>
+          <p:cNvPr id="3" name="内容占位符 2"/>
           <p:cNvSpPr>
             <a:spLocks noGrp="1"/>
           </p:cNvSpPr>
@@ -4857,6 +3573,9 @@
               </a:rPr>
               <a:t>实现了约 27 个 Syscalls，总增删代码量近 10k 行</a:t>
             </a:r>
+            <a:endParaRPr lang="zh-CN" altLang="en-US">
+              <a:ea typeface="宋体"/>
+            </a:endParaRPr>
           </a:p>
           <a:p>
             <a:r>
@@ -4865,6 +3584,9 @@
               </a:rPr>
               <a:t>实现过程遵守 POSIX 规范与 Linux 实现，尽可能不使用 tricks 通过测例</a:t>
             </a:r>
+            <a:endParaRPr lang="zh-CN" altLang="en-US">
+              <a:ea typeface="宋体"/>
+            </a:endParaRPr>
           </a:p>
           <a:p>
             <a:r>
@@ -4886,6 +3608,9 @@
               </a:rPr>
               <a:t>进程包括线程 Thread、进程 Process、进程组 Process Group、会话 Session</a:t>
             </a:r>
+            <a:endParaRPr lang="zh-CN" altLang="en-US">
+              <a:ea typeface="宋体"/>
+            </a:endParaRPr>
           </a:p>
           <a:p>
             <a:pPr lvl="1">
@@ -4898,6 +3623,9 @@
               </a:rPr>
               <a:t>信号部分：包括基础信号的处理以及相关 Syscalls</a:t>
             </a:r>
+            <a:endParaRPr lang="zh-CN" altLang="en-US">
+              <a:ea typeface="宋体"/>
+            </a:endParaRPr>
           </a:p>
           <a:p>
             <a:r>
@@ -4906,6 +3634,9 @@
               </a:rPr>
               <a:t>实现了多项基础套件，可以被他人复用</a:t>
             </a:r>
+            <a:endParaRPr lang="zh-CN" altLang="en-US">
+              <a:ea typeface="宋体"/>
+            </a:endParaRPr>
           </a:p>
           <a:p>
             <a:r>
@@ -4914,15 +3645,13 @@
               </a:rPr>
               <a:t>提出并修复了多个实现漏洞</a:t>
             </a:r>
+            <a:endParaRPr lang="zh-CN" altLang="en-US">
+              <a:ea typeface="宋体"/>
+            </a:endParaRPr>
           </a:p>
         </p:txBody>
       </p:sp>
     </p:spTree>
-    <p:extLst>
-      <p:ext uri="{BB962C8B-B14F-4D97-AF65-F5344CB8AC3E}">
-        <p14:creationId xmlns:p14="http://schemas.microsoft.com/office/powerpoint/2010/main" val="4101369604"/>
-      </p:ext>
-    </p:extLst>
   </p:cSld>
   <p:clrMapOvr>
     <a:masterClrMapping/>
@@ -4935,13 +3664,7 @@
   <p:cSld>
     <p:spTree>
       <p:nvGrpSpPr>
-        <p:cNvPr id="1" name="">
-          <a:extLst>
-            <a:ext uri="{FF2B5EF4-FFF2-40B4-BE49-F238E27FC236}">
-              <a16:creationId xmlns:a16="http://schemas.microsoft.com/office/drawing/2014/main" id="{E351956F-1518-B0DD-3B62-C18BF4B3A9C0}"/>
-            </a:ext>
-          </a:extLst>
-        </p:cNvPr>
+        <p:cNvPr id="1" name=""/>
         <p:cNvGrpSpPr/>
         <p:nvPr/>
       </p:nvGrpSpPr>
@@ -4955,13 +3678,7 @@
       </p:grpSpPr>
       <p:sp>
         <p:nvSpPr>
-          <p:cNvPr id="2" name="标题 1">
-            <a:extLst>
-              <a:ext uri="{FF2B5EF4-FFF2-40B4-BE49-F238E27FC236}">
-                <a16:creationId xmlns:a16="http://schemas.microsoft.com/office/drawing/2014/main" id="{8A07CCD3-4DDA-F06C-49D8-C61CD82391FC}"/>
-              </a:ext>
-            </a:extLst>
-          </p:cNvPr>
+          <p:cNvPr id="2" name="标题 1"/>
           <p:cNvSpPr>
             <a:spLocks noGrp="1"/>
           </p:cNvSpPr>
@@ -4986,13 +3703,7 @@
       </p:sp>
       <p:sp>
         <p:nvSpPr>
-          <p:cNvPr id="3" name="内容占位符 2">
-            <a:extLst>
-              <a:ext uri="{FF2B5EF4-FFF2-40B4-BE49-F238E27FC236}">
-                <a16:creationId xmlns:a16="http://schemas.microsoft.com/office/drawing/2014/main" id="{E1597663-0B22-A01F-8D9A-4C04A63274A0}"/>
-              </a:ext>
-            </a:extLst>
-          </p:cNvPr>
+          <p:cNvPr id="3" name="内容占位符 2"/>
           <p:cNvSpPr>
             <a:spLocks noGrp="1"/>
           </p:cNvSpPr>
@@ -5018,6 +3729,9 @@
               </a:rPr>
               <a:t>我们前期工作主要集中在架构和大功能的实现（进程、信号、重构架构等），调试测例时间相对较少</a:t>
             </a:r>
+            <a:endParaRPr lang="zh-CN" altLang="en-US">
+              <a:ea typeface="宋体"/>
+            </a:endParaRPr>
           </a:p>
           <a:p>
             <a:r>
@@ -5026,25 +3740,22 @@
               </a:rPr>
               <a:t>但基本上没有使用 tricks 来通过测例，后期由于基础架构完善，修改进度会比较快</a:t>
             </a:r>
+            <a:endParaRPr lang="zh-CN" altLang="en-US">
+              <a:ea typeface="宋体"/>
+            </a:endParaRPr>
           </a:p>
         </p:txBody>
       </p:sp>
       <p:pic>
         <p:nvPicPr>
-          <p:cNvPr id="4" name="图片 3" descr="图形用户界面, 应用程序&#10;&#10;AI 生成的内容可能不正确。">
-            <a:extLst>
-              <a:ext uri="{FF2B5EF4-FFF2-40B4-BE49-F238E27FC236}">
-                <a16:creationId xmlns:a16="http://schemas.microsoft.com/office/drawing/2014/main" id="{C9DCD478-7C08-3657-AE78-C4E75D9C5B8F}"/>
-              </a:ext>
-            </a:extLst>
-          </p:cNvPr>
+          <p:cNvPr id="4" name="图片 3" descr="图形用户界面, 应用程序&#10;&#10;AI 生成的内容可能不正确。"/>
           <p:cNvPicPr>
             <a:picLocks noChangeAspect="1"/>
           </p:cNvPicPr>
           <p:nvPr/>
         </p:nvPicPr>
         <p:blipFill>
-          <a:blip r:embed="rId2"/>
+          <a:blip r:embed="rId1"/>
           <a:stretch>
             <a:fillRect/>
           </a:stretch>
@@ -5060,11 +3771,6 @@
         </p:spPr>
       </p:pic>
     </p:spTree>
-    <p:extLst>
-      <p:ext uri="{BB962C8B-B14F-4D97-AF65-F5344CB8AC3E}">
-        <p14:creationId xmlns:p14="http://schemas.microsoft.com/office/powerpoint/2010/main" val="2312895447"/>
-      </p:ext>
-    </p:extLst>
   </p:cSld>
   <p:clrMapOvr>
     <a:masterClrMapping/>
@@ -5091,13 +3797,7 @@
       </p:grpSpPr>
       <p:sp>
         <p:nvSpPr>
-          <p:cNvPr id="2" name="标题 1">
-            <a:extLst>
-              <a:ext uri="{FF2B5EF4-FFF2-40B4-BE49-F238E27FC236}">
-                <a16:creationId xmlns:a16="http://schemas.microsoft.com/office/drawing/2014/main" id="{9D82ABAB-8109-55EC-A5D2-7F39A281CD78}"/>
-              </a:ext>
-            </a:extLst>
-          </p:cNvPr>
+          <p:cNvPr id="2" name="标题 1"/>
           <p:cNvSpPr>
             <a:spLocks noGrp="1"/>
           </p:cNvSpPr>
@@ -5116,18 +3816,15 @@
               </a:rPr>
               <a:t>进程管理</a:t>
             </a:r>
-          </a:p>
-        </p:txBody>
-      </p:sp>
-      <p:sp>
-        <p:nvSpPr>
-          <p:cNvPr id="3" name="内容占位符 2">
-            <a:extLst>
-              <a:ext uri="{FF2B5EF4-FFF2-40B4-BE49-F238E27FC236}">
-                <a16:creationId xmlns:a16="http://schemas.microsoft.com/office/drawing/2014/main" id="{EF1C04F9-39D0-3119-766F-B563BBA5641B}"/>
-              </a:ext>
-            </a:extLst>
-          </p:cNvPr>
+            <a:endParaRPr lang="zh-CN" altLang="en-US">
+              <a:ea typeface="宋体"/>
+            </a:endParaRPr>
+          </a:p>
+        </p:txBody>
+      </p:sp>
+      <p:sp>
+        <p:nvSpPr>
+          <p:cNvPr id="3" name="内容占位符 2"/>
           <p:cNvSpPr>
             <a:spLocks noGrp="1"/>
           </p:cNvSpPr>
@@ -5153,28 +3850,29 @@
               </a:rPr>
               <a:t>实现了从会话、进程组、进程再到轻量级线程的管理，通过存储 `Box&lt;dyn Any+Send+Sync&gt;`实现在进程和线程中存储扩展数据，好在starry中使用。</a:t>
             </a:r>
-          </a:p>
-          <a:p>
-            <a:r>
-              <a:rPr lang="zh-CN" altLang="en-US">
-                <a:ea typeface="宋体"/>
-              </a:rPr>
-              <a:t>通过弱引用表维护进程关系，实现自动资源释放</a:t>
-            </a:r>
-          </a:p>
-          <a:p>
             <a:endParaRPr lang="zh-CN" altLang="en-US">
               <a:ea typeface="宋体"/>
             </a:endParaRPr>
           </a:p>
+          <a:p>
+            <a:r>
+              <a:rPr lang="zh-CN" altLang="en-US">
+                <a:ea typeface="宋体"/>
+              </a:rPr>
+              <a:t>通过弱引用表维护进程关系，实现自动资源释放</a:t>
+            </a:r>
+            <a:endParaRPr lang="zh-CN" altLang="en-US">
+              <a:ea typeface="宋体"/>
+            </a:endParaRPr>
+          </a:p>
+          <a:p>
+            <a:endParaRPr lang="zh-CN" altLang="en-US">
+              <a:ea typeface="宋体"/>
+            </a:endParaRPr>
+          </a:p>
         </p:txBody>
       </p:sp>
     </p:spTree>
-    <p:extLst>
-      <p:ext uri="{BB962C8B-B14F-4D97-AF65-F5344CB8AC3E}">
-        <p14:creationId xmlns:p14="http://schemas.microsoft.com/office/powerpoint/2010/main" val="4023240152"/>
-      </p:ext>
-    </p:extLst>
   </p:cSld>
   <p:clrMapOvr>
     <a:masterClrMapping/>
@@ -5187,13 +3885,7 @@
   <p:cSld>
     <p:spTree>
       <p:nvGrpSpPr>
-        <p:cNvPr id="1" name="">
-          <a:extLst>
-            <a:ext uri="{FF2B5EF4-FFF2-40B4-BE49-F238E27FC236}">
-              <a16:creationId xmlns:a16="http://schemas.microsoft.com/office/drawing/2014/main" id="{24717948-C88F-A456-A669-C2528CFC999B}"/>
-            </a:ext>
-          </a:extLst>
-        </p:cNvPr>
+        <p:cNvPr id="1" name=""/>
         <p:cNvGrpSpPr/>
         <p:nvPr/>
       </p:nvGrpSpPr>
@@ -5207,13 +3899,7 @@
       </p:grpSpPr>
       <p:sp>
         <p:nvSpPr>
-          <p:cNvPr id="2" name="标题 1">
-            <a:extLst>
-              <a:ext uri="{FF2B5EF4-FFF2-40B4-BE49-F238E27FC236}">
-                <a16:creationId xmlns:a16="http://schemas.microsoft.com/office/drawing/2014/main" id="{306A0D46-E84E-94E0-C7AD-E252A4508743}"/>
-              </a:ext>
-            </a:extLst>
-          </p:cNvPr>
+          <p:cNvPr id="2" name="标题 1"/>
           <p:cNvSpPr>
             <a:spLocks noGrp="1"/>
           </p:cNvSpPr>
@@ -5238,13 +3924,7 @@
       </p:sp>
       <p:sp>
         <p:nvSpPr>
-          <p:cNvPr id="3" name="内容占位符 2">
-            <a:extLst>
-              <a:ext uri="{FF2B5EF4-FFF2-40B4-BE49-F238E27FC236}">
-                <a16:creationId xmlns:a16="http://schemas.microsoft.com/office/drawing/2014/main" id="{83CF06E8-4D8F-3074-EFF9-31519D70911E}"/>
-              </a:ext>
-            </a:extLst>
-          </p:cNvPr>
+          <p:cNvPr id="3" name="内容占位符 2"/>
           <p:cNvSpPr>
             <a:spLocks noGrp="1"/>
           </p:cNvSpPr>
@@ -5270,6 +3950,9 @@
               </a:rPr>
               <a:t>我们遵循 POSIX 规范实现了基础 32 个信号的相关处理</a:t>
             </a:r>
+            <a:endParaRPr lang="zh-CN" altLang="en-US">
+              <a:ea typeface="宋体"/>
+            </a:endParaRPr>
           </a:p>
           <a:p>
             <a:r>
@@ -5375,20 +4058,14 @@
       </p:sp>
       <p:pic>
         <p:nvPicPr>
-          <p:cNvPr id="4" name="图片 3" descr="文本&#10;&#10;AI 生成的内容可能不正确。">
-            <a:extLst>
-              <a:ext uri="{FF2B5EF4-FFF2-40B4-BE49-F238E27FC236}">
-                <a16:creationId xmlns:a16="http://schemas.microsoft.com/office/drawing/2014/main" id="{5C20E3C3-EC23-D9CD-0E52-04B544000659}"/>
-              </a:ext>
-            </a:extLst>
-          </p:cNvPr>
+          <p:cNvPr id="4" name="图片 3" descr="文本&#10;&#10;AI 生成的内容可能不正确。"/>
           <p:cNvPicPr>
             <a:picLocks noChangeAspect="1"/>
           </p:cNvPicPr>
           <p:nvPr/>
         </p:nvPicPr>
         <p:blipFill>
-          <a:blip r:embed="rId2"/>
+          <a:blip r:embed="rId1"/>
           <a:stretch>
             <a:fillRect/>
           </a:stretch>
@@ -5404,11 +4081,6 @@
         </p:spPr>
       </p:pic>
     </p:spTree>
-    <p:extLst>
-      <p:ext uri="{BB962C8B-B14F-4D97-AF65-F5344CB8AC3E}">
-        <p14:creationId xmlns:p14="http://schemas.microsoft.com/office/powerpoint/2010/main" val="3473617007"/>
-      </p:ext>
-    </p:extLst>
   </p:cSld>
   <p:clrMapOvr>
     <a:masterClrMapping/>
@@ -5421,13 +4093,7 @@
   <p:cSld>
     <p:spTree>
       <p:nvGrpSpPr>
-        <p:cNvPr id="1" name="">
-          <a:extLst>
-            <a:ext uri="{FF2B5EF4-FFF2-40B4-BE49-F238E27FC236}">
-              <a16:creationId xmlns:a16="http://schemas.microsoft.com/office/drawing/2014/main" id="{54784637-7DB5-A22E-B145-341D4EF9C354}"/>
-            </a:ext>
-          </a:extLst>
-        </p:cNvPr>
+        <p:cNvPr id="1" name=""/>
         <p:cNvGrpSpPr/>
         <p:nvPr/>
       </p:nvGrpSpPr>
@@ -5441,13 +4107,7 @@
       </p:grpSpPr>
       <p:sp>
         <p:nvSpPr>
-          <p:cNvPr id="2" name="标题 1">
-            <a:extLst>
-              <a:ext uri="{FF2B5EF4-FFF2-40B4-BE49-F238E27FC236}">
-                <a16:creationId xmlns:a16="http://schemas.microsoft.com/office/drawing/2014/main" id="{F2D4CED5-41C4-F751-74D0-F1FD9D63A319}"/>
-              </a:ext>
-            </a:extLst>
-          </p:cNvPr>
+          <p:cNvPr id="2" name="标题 1"/>
           <p:cNvSpPr>
             <a:spLocks noGrp="1"/>
           </p:cNvSpPr>
@@ -5466,18 +4126,15 @@
               </a:rPr>
               <a:t>用户指针封装</a:t>
             </a:r>
-          </a:p>
-        </p:txBody>
-      </p:sp>
-      <p:sp>
-        <p:nvSpPr>
-          <p:cNvPr id="3" name="内容占位符 2">
-            <a:extLst>
-              <a:ext uri="{FF2B5EF4-FFF2-40B4-BE49-F238E27FC236}">
-                <a16:creationId xmlns:a16="http://schemas.microsoft.com/office/drawing/2014/main" id="{0F8D9BA0-1901-34B7-DA3C-13C9AC37E3BB}"/>
-              </a:ext>
-            </a:extLst>
-          </p:cNvPr>
+            <a:endParaRPr lang="zh-CN" altLang="en-US">
+              <a:ea typeface="宋体"/>
+            </a:endParaRPr>
+          </a:p>
+        </p:txBody>
+      </p:sp>
+      <p:sp>
+        <p:nvSpPr>
+          <p:cNvPr id="3" name="内容占位符 2"/>
           <p:cNvSpPr>
             <a:spLocks noGrp="1"/>
           </p:cNvSpPr>
@@ -5503,6 +4160,9 @@
               </a:rPr>
               <a:t>实现了 UserPtr 与 UserConstPtr 类型，基于泛型提供了安全的用户空间访问，并统一了接口</a:t>
             </a:r>
+            <a:endParaRPr lang="zh-CN" altLang="en-US">
+              <a:ea typeface="宋体"/>
+            </a:endParaRPr>
           </a:p>
           <a:p>
             <a:endParaRPr lang="zh-CN" altLang="en-US">
@@ -5554,6 +4214,9 @@
               </a:rPr>
               <a:t>  </a:t>
             </a:r>
+            <a:endParaRPr lang="en-US" altLang="zh-CN">
+              <a:ea typeface="宋体"/>
+            </a:endParaRPr>
           </a:p>
           <a:p>
             <a:endParaRPr lang="zh-CN" altLang="en-US">
@@ -5564,27 +4227,21 @@
       </p:sp>
       <p:pic>
         <p:nvPicPr>
-          <p:cNvPr id="4" name="图片 3" descr="文本&#10;&#10;AI 生成的内容可能不正确。">
-            <a:extLst>
-              <a:ext uri="{FF2B5EF4-FFF2-40B4-BE49-F238E27FC236}">
-                <a16:creationId xmlns:a16="http://schemas.microsoft.com/office/drawing/2014/main" id="{E7C18B29-9414-CBE7-4DAB-4D66B2FE9699}"/>
-              </a:ext>
-            </a:extLst>
-          </p:cNvPr>
+          <p:cNvPr id="4" name="图片 3" descr="文本&#10;&#10;AI 生成的内容可能不正确。"/>
           <p:cNvPicPr>
             <a:picLocks noChangeAspect="1"/>
           </p:cNvPicPr>
           <p:nvPr/>
         </p:nvPicPr>
         <p:blipFill>
-          <a:blip r:embed="rId2"/>
+          <a:blip r:embed="rId1"/>
           <a:stretch>
             <a:fillRect/>
           </a:stretch>
         </p:blipFill>
         <p:spPr>
           <a:xfrm>
-            <a:off x="6206939" y="2022448"/>
+            <a:off x="6206939" y="2188183"/>
             <a:ext cx="5417100" cy="3057900"/>
           </a:xfrm>
           <a:prstGeom prst="rect">
@@ -5593,11 +4250,6 @@
         </p:spPr>
       </p:pic>
     </p:spTree>
-    <p:extLst>
-      <p:ext uri="{BB962C8B-B14F-4D97-AF65-F5344CB8AC3E}">
-        <p14:creationId xmlns:p14="http://schemas.microsoft.com/office/powerpoint/2010/main" val="2739761689"/>
-      </p:ext>
-    </p:extLst>
   </p:cSld>
   <p:clrMapOvr>
     <a:masterClrMapping/>
@@ -5624,13 +4276,7 @@
       </p:grpSpPr>
       <p:sp>
         <p:nvSpPr>
-          <p:cNvPr id="2" name="标题 1">
-            <a:extLst>
-              <a:ext uri="{FF2B5EF4-FFF2-40B4-BE49-F238E27FC236}">
-                <a16:creationId xmlns:a16="http://schemas.microsoft.com/office/drawing/2014/main" id="{EC21741F-4BEC-30EC-198D-DCF222E6574E}"/>
-              </a:ext>
-            </a:extLst>
-          </p:cNvPr>
+          <p:cNvPr id="2" name="标题 1"/>
           <p:cNvSpPr>
             <a:spLocks noGrp="1"/>
           </p:cNvSpPr>
@@ -5655,13 +4301,7 @@
       </p:sp>
       <p:sp>
         <p:nvSpPr>
-          <p:cNvPr id="3" name="内容占位符 2">
-            <a:extLst>
-              <a:ext uri="{FF2B5EF4-FFF2-40B4-BE49-F238E27FC236}">
-                <a16:creationId xmlns:a16="http://schemas.microsoft.com/office/drawing/2014/main" id="{7B18D6A0-1668-6383-049F-25683377D5DA}"/>
-              </a:ext>
-            </a:extLst>
-          </p:cNvPr>
+          <p:cNvPr id="3" name="内容占位符 2"/>
           <p:cNvSpPr>
             <a:spLocks noGrp="1"/>
           </p:cNvSpPr>
@@ -5683,7 +4323,7 @@
               <a:t>axuspace：提供 UserConstPtr、UserPtr 接口</a:t>
             </a:r>
             <a:endParaRPr lang="zh-CN">
-              <a:ea typeface="宋体" panose="02010600030101010101" pitchFamily="2" charset="-122"/>
+              <a:ea typeface="宋体" pitchFamily="2" charset="-122"/>
             </a:endParaRPr>
           </a:p>
           <a:p>
@@ -5704,6 +4344,9 @@
               </a:rPr>
               <a:t>axsignal：实现了信号相关的结构体和部分处理逻辑</a:t>
             </a:r>
+            <a:endParaRPr lang="zh-CN" altLang="en-US">
+              <a:ea typeface="宋体"/>
+            </a:endParaRPr>
           </a:p>
           <a:p>
             <a:r>
@@ -5742,11 +4385,6 @@
         </p:txBody>
       </p:sp>
     </p:spTree>
-    <p:extLst>
-      <p:ext uri="{BB962C8B-B14F-4D97-AF65-F5344CB8AC3E}">
-        <p14:creationId xmlns:p14="http://schemas.microsoft.com/office/powerpoint/2010/main" val="4117542211"/>
-      </p:ext>
-    </p:extLst>
   </p:cSld>
   <p:clrMapOvr>
     <a:masterClrMapping/>
@@ -5773,13 +4411,7 @@
       </p:grpSpPr>
       <p:sp>
         <p:nvSpPr>
-          <p:cNvPr id="2" name="标题 1">
-            <a:extLst>
-              <a:ext uri="{FF2B5EF4-FFF2-40B4-BE49-F238E27FC236}">
-                <a16:creationId xmlns:a16="http://schemas.microsoft.com/office/drawing/2014/main" id="{374E9A59-9CC1-4173-C5A8-3FE721DB9D68}"/>
-              </a:ext>
-            </a:extLst>
-          </p:cNvPr>
+          <p:cNvPr id="2" name="标题 1"/>
           <p:cNvSpPr>
             <a:spLocks noGrp="1"/>
           </p:cNvSpPr>
@@ -5798,18 +4430,15 @@
               </a:rPr>
               <a:t>类型规范化</a:t>
             </a:r>
-          </a:p>
-        </p:txBody>
-      </p:sp>
-      <p:sp>
-        <p:nvSpPr>
-          <p:cNvPr id="3" name="内容占位符 2">
-            <a:extLst>
-              <a:ext uri="{FF2B5EF4-FFF2-40B4-BE49-F238E27FC236}">
-                <a16:creationId xmlns:a16="http://schemas.microsoft.com/office/drawing/2014/main" id="{B1CC2126-451B-7CA7-8CFB-1581DDF7E466}"/>
-              </a:ext>
-            </a:extLst>
-          </p:cNvPr>
+            <a:endParaRPr lang="zh-CN" altLang="en-US">
+              <a:ea typeface="宋体"/>
+            </a:endParaRPr>
+          </a:p>
+        </p:txBody>
+      </p:sp>
+      <p:sp>
+        <p:nvSpPr>
+          <p:cNvPr id="3" name="内容占位符 2"/>
           <p:cNvSpPr>
             <a:spLocks noGrp="1"/>
           </p:cNvSpPr>
@@ -5839,7 +4468,7 @@
                 <a:srgbClr val="000000"/>
               </a:solidFill>
               <a:latin typeface="Aptos"/>
-              <a:ea typeface="宋体" panose="02010600030101010101" pitchFamily="2" charset="-122"/>
+              <a:ea typeface="宋体" pitchFamily="2" charset="-122"/>
             </a:endParaRPr>
           </a:p>
           <a:p>
@@ -5854,6 +4483,9 @@
               </a:rPr>
               <a:t>x86 stat?</a:t>
             </a:r>
+            <a:endParaRPr lang="zh-CN" altLang="en-US">
+              <a:ea typeface="宋体"/>
+            </a:endParaRPr>
           </a:p>
           <a:p>
             <a:pPr marL="0" indent="0">
@@ -5866,11 +4498,6 @@
         </p:txBody>
       </p:sp>
     </p:spTree>
-    <p:extLst>
-      <p:ext uri="{BB962C8B-B14F-4D97-AF65-F5344CB8AC3E}">
-        <p14:creationId xmlns:p14="http://schemas.microsoft.com/office/powerpoint/2010/main" val="1322360691"/>
-      </p:ext>
-    </p:extLst>
   </p:cSld>
   <p:clrMapOvr>
     <a:masterClrMapping/>
@@ -5883,13 +4510,7 @@
   <p:cSld>
     <p:spTree>
       <p:nvGrpSpPr>
-        <p:cNvPr id="1" name="">
-          <a:extLst>
-            <a:ext uri="{FF2B5EF4-FFF2-40B4-BE49-F238E27FC236}">
-              <a16:creationId xmlns:a16="http://schemas.microsoft.com/office/drawing/2014/main" id="{F923C62D-1C18-DB4D-08D3-FC331A1A03C0}"/>
-            </a:ext>
-          </a:extLst>
-        </p:cNvPr>
+        <p:cNvPr id="1" name=""/>
         <p:cNvGrpSpPr/>
         <p:nvPr/>
       </p:nvGrpSpPr>
@@ -5903,13 +4524,7 @@
       </p:grpSpPr>
       <p:sp>
         <p:nvSpPr>
-          <p:cNvPr id="2" name="标题 1">
-            <a:extLst>
-              <a:ext uri="{FF2B5EF4-FFF2-40B4-BE49-F238E27FC236}">
-                <a16:creationId xmlns:a16="http://schemas.microsoft.com/office/drawing/2014/main" id="{91A5645B-81F4-3D19-FE19-DE580D3ED347}"/>
-              </a:ext>
-            </a:extLst>
-          </p:cNvPr>
+          <p:cNvPr id="2" name="标题 1"/>
           <p:cNvSpPr>
             <a:spLocks noGrp="1"/>
           </p:cNvSpPr>
@@ -5928,18 +4543,15 @@
               </a:rPr>
               <a:t>杂项</a:t>
             </a:r>
-          </a:p>
-        </p:txBody>
-      </p:sp>
-      <p:sp>
-        <p:nvSpPr>
-          <p:cNvPr id="3" name="内容占位符 2">
-            <a:extLst>
-              <a:ext uri="{FF2B5EF4-FFF2-40B4-BE49-F238E27FC236}">
-                <a16:creationId xmlns:a16="http://schemas.microsoft.com/office/drawing/2014/main" id="{72C085EC-6A8F-8DC0-D50F-73612025418A}"/>
-              </a:ext>
-            </a:extLst>
-          </p:cNvPr>
+            <a:endParaRPr lang="zh-CN" altLang="en-US">
+              <a:ea typeface="宋体"/>
+            </a:endParaRPr>
+          </a:p>
+        </p:txBody>
+      </p:sp>
+      <p:sp>
+        <p:nvSpPr>
+          <p:cNvPr id="3" name="内容占位符 2"/>
           <p:cNvSpPr>
             <a:spLocks noGrp="1"/>
           </p:cNvSpPr>
@@ -5964,6 +4576,13 @@
               </a:rPr>
               <a:t>shebang</a:t>
             </a:r>
+            <a:endParaRPr lang="zh-CN" altLang="en-US">
+              <a:solidFill>
+                <a:srgbClr val="000000"/>
+              </a:solidFill>
+              <a:latin typeface="Aptos"/>
+              <a:ea typeface="宋体"/>
+            </a:endParaRPr>
           </a:p>
           <a:p>
             <a:r>
@@ -5972,6 +4591,9 @@
               </a:rPr>
               <a:t>lseek、sendfile、poll 等 Syscalls</a:t>
             </a:r>
+            <a:endParaRPr lang="zh-CN" altLang="en-US">
+              <a:ea typeface="宋体"/>
+            </a:endParaRPr>
           </a:p>
           <a:p>
             <a:r>
@@ -5980,6 +4602,9 @@
               </a:rPr>
               <a:t>统一了不同架构下 IP 寄存器的处理（如 clone、sigsuspend 等需要更改 TrapFrame 的调用）</a:t>
             </a:r>
+            <a:endParaRPr lang="zh-CN" altLang="en-US">
+              <a:ea typeface="宋体"/>
+            </a:endParaRPr>
           </a:p>
           <a:p>
             <a:r>
@@ -5988,6 +4613,9 @@
               </a:rPr>
               <a:t>向 arceos-org/page_table_multiarch、arceos-org/axmm 等上游仓库提出了多个 PR</a:t>
             </a:r>
+            <a:endParaRPr lang="zh-CN" altLang="en-US">
+              <a:ea typeface="宋体"/>
+            </a:endParaRPr>
           </a:p>
           <a:p>
             <a:pPr lvl="1">
@@ -6029,6 +4657,9 @@
               </a:rPr>
               <a:t>修复了 arceos 下进程数据 TaskExt 无法回收的问题（arceos#20）</a:t>
             </a:r>
+            <a:endParaRPr lang="zh-CN" altLang="en-US">
+              <a:ea typeface="宋体"/>
+            </a:endParaRPr>
           </a:p>
           <a:p>
             <a:pPr lvl="1">
@@ -6047,6 +4678,9 @@
               </a:rPr>
               <a:t>（arceos#20）</a:t>
             </a:r>
+            <a:endParaRPr lang="zh-CN">
+              <a:ea typeface="宋体"/>
+            </a:endParaRPr>
           </a:p>
           <a:p>
             <a:pPr lvl="1">
@@ -6066,11 +4700,6 @@
         </p:txBody>
       </p:sp>
     </p:spTree>
-    <p:extLst>
-      <p:ext uri="{BB962C8B-B14F-4D97-AF65-F5344CB8AC3E}">
-        <p14:creationId xmlns:p14="http://schemas.microsoft.com/office/powerpoint/2010/main" val="3182449072"/>
-      </p:ext>
-    </p:extLst>
   </p:cSld>
   <p:clrMapOvr>
     <a:masterClrMapping/>
@@ -6269,11 +4898,9 @@
       </a:bgFillStyleLst>
     </a:fmtScheme>
   </a:themeElements>
-  <a:objectDefaults/>
-  <a:extraClrSchemeLst/>
   <a:extLst>
     <a:ext uri="{05A4C25C-085E-4340-85A3-A5531E510DB2}">
-      <thm15:themeFamily xmlns:thm15="http://schemas.microsoft.com/office/thememl/2012/main" name="DashVTI" id="{E0E31462-65AE-4087-9B94-B3347EE711B2}" vid="{CA8B31CB-369F-4872-A917-A9EAAF918275}"/>
+      <thm15:themeFamily xmlns:thm15="http://schemas.microsoft.com/office/thememl/2012/main" name="Office Theme" id="{62F939B6-93AF-4DB8-9C6B-D6C7DFDC589F}" vid="{4A3C46E8-61CC-4603-A589-7422A47A8E4A}"/>
     </a:ext>
   </a:extLst>
 </a:theme>
